--- a/docs/NoSQL introduction.pptx
+++ b/docs/NoSQL introduction.pptx
@@ -5,7 +5,7 @@
     <p:sldMasterId id="2147483678" r:id="rId1"/>
   </p:sldMasterIdLst>
   <p:notesMasterIdLst>
-    <p:notesMasterId r:id="rId32"/>
+    <p:notesMasterId r:id="rId34"/>
   </p:notesMasterIdLst>
   <p:sldIdLst>
     <p:sldId id="256" r:id="rId2"/>
@@ -24,20 +24,22 @@
     <p:sldId id="314" r:id="rId15"/>
     <p:sldId id="315" r:id="rId16"/>
     <p:sldId id="308" r:id="rId17"/>
-    <p:sldId id="299" r:id="rId18"/>
-    <p:sldId id="309" r:id="rId19"/>
-    <p:sldId id="310" r:id="rId20"/>
-    <p:sldId id="311" r:id="rId21"/>
-    <p:sldId id="312" r:id="rId22"/>
-    <p:sldId id="290" r:id="rId23"/>
-    <p:sldId id="291" r:id="rId24"/>
-    <p:sldId id="292" r:id="rId25"/>
-    <p:sldId id="293" r:id="rId26"/>
-    <p:sldId id="294" r:id="rId27"/>
-    <p:sldId id="295" r:id="rId28"/>
-    <p:sldId id="296" r:id="rId29"/>
-    <p:sldId id="297" r:id="rId30"/>
-    <p:sldId id="298" r:id="rId31"/>
+    <p:sldId id="312" r:id="rId18"/>
+    <p:sldId id="299" r:id="rId19"/>
+    <p:sldId id="309" r:id="rId20"/>
+    <p:sldId id="310" r:id="rId21"/>
+    <p:sldId id="311" r:id="rId22"/>
+    <p:sldId id="316" r:id="rId23"/>
+    <p:sldId id="317" r:id="rId24"/>
+    <p:sldId id="290" r:id="rId25"/>
+    <p:sldId id="291" r:id="rId26"/>
+    <p:sldId id="292" r:id="rId27"/>
+    <p:sldId id="293" r:id="rId28"/>
+    <p:sldId id="294" r:id="rId29"/>
+    <p:sldId id="295" r:id="rId30"/>
+    <p:sldId id="296" r:id="rId31"/>
+    <p:sldId id="297" r:id="rId32"/>
+    <p:sldId id="298" r:id="rId33"/>
   </p:sldIdLst>
   <p:sldSz cx="12192000" cy="6858000"/>
   <p:notesSz cx="6858000" cy="9144000"/>
@@ -16172,7 +16174,7 @@
           <a:p>
             <a:fld id="{2CFC3AB0-CB3C-459F-851F-61C924D76FE7}" type="datetimeFigureOut">
               <a:rPr lang="fr-FR" smtClean="0"/>
-              <a:t>06/02/2025</a:t>
+              <a:t>07/02/2025</a:t>
             </a:fld>
             <a:endParaRPr lang="fr-FR"/>
           </a:p>
@@ -21155,7 +21157,7 @@
           <a:p>
             <a:fld id="{E3D0131B-4724-457B-8FCC-30819A666E50}" type="datetimeFigureOut">
               <a:rPr lang="fr-FR" smtClean="0"/>
-              <a:t>06/02/2025</a:t>
+              <a:t>07/02/2025</a:t>
             </a:fld>
             <a:endParaRPr lang="fr-FR"/>
           </a:p>
@@ -21406,7 +21408,7 @@
           <a:p>
             <a:fld id="{E3D0131B-4724-457B-8FCC-30819A666E50}" type="datetimeFigureOut">
               <a:rPr lang="fr-FR" smtClean="0"/>
-              <a:t>06/02/2025</a:t>
+              <a:t>07/02/2025</a:t>
             </a:fld>
             <a:endParaRPr lang="fr-FR"/>
           </a:p>
@@ -21720,7 +21722,7 @@
           <a:p>
             <a:fld id="{E3D0131B-4724-457B-8FCC-30819A666E50}" type="datetimeFigureOut">
               <a:rPr lang="fr-FR" smtClean="0"/>
-              <a:t>06/02/2025</a:t>
+              <a:t>07/02/2025</a:t>
             </a:fld>
             <a:endParaRPr lang="fr-FR"/>
           </a:p>
@@ -22061,7 +22063,7 @@
           <a:p>
             <a:fld id="{E3D0131B-4724-457B-8FCC-30819A666E50}" type="datetimeFigureOut">
               <a:rPr lang="fr-FR" smtClean="0"/>
-              <a:t>06/02/2025</a:t>
+              <a:t>07/02/2025</a:t>
             </a:fld>
             <a:endParaRPr lang="fr-FR"/>
           </a:p>
@@ -22375,7 +22377,7 @@
           <a:p>
             <a:fld id="{E3D0131B-4724-457B-8FCC-30819A666E50}" type="datetimeFigureOut">
               <a:rPr lang="fr-FR" smtClean="0"/>
-              <a:t>06/02/2025</a:t>
+              <a:t>07/02/2025</a:t>
             </a:fld>
             <a:endParaRPr lang="fr-FR"/>
           </a:p>
@@ -22768,7 +22770,7 @@
           <a:p>
             <a:fld id="{E3D0131B-4724-457B-8FCC-30819A666E50}" type="datetimeFigureOut">
               <a:rPr lang="fr-FR" smtClean="0"/>
-              <a:t>06/02/2025</a:t>
+              <a:t>07/02/2025</a:t>
             </a:fld>
             <a:endParaRPr lang="fr-FR"/>
           </a:p>
@@ -22938,7 +22940,7 @@
           <a:p>
             <a:fld id="{E3D0131B-4724-457B-8FCC-30819A666E50}" type="datetimeFigureOut">
               <a:rPr lang="fr-FR" smtClean="0"/>
-              <a:t>06/02/2025</a:t>
+              <a:t>07/02/2025</a:t>
             </a:fld>
             <a:endParaRPr lang="fr-FR"/>
           </a:p>
@@ -23118,7 +23120,7 @@
           <a:p>
             <a:fld id="{E3D0131B-4724-457B-8FCC-30819A666E50}" type="datetimeFigureOut">
               <a:rPr lang="fr-FR" smtClean="0"/>
-              <a:t>06/02/2025</a:t>
+              <a:t>07/02/2025</a:t>
             </a:fld>
             <a:endParaRPr lang="fr-FR"/>
           </a:p>
@@ -26164,7 +26166,7 @@
           <a:p>
             <a:fld id="{E3D0131B-4724-457B-8FCC-30819A666E50}" type="datetimeFigureOut">
               <a:rPr lang="fr-FR" smtClean="0"/>
-              <a:t>06/02/2025</a:t>
+              <a:t>07/02/2025</a:t>
             </a:fld>
             <a:endParaRPr lang="fr-FR"/>
           </a:p>
@@ -26411,7 +26413,7 @@
           <a:p>
             <a:fld id="{E3D0131B-4724-457B-8FCC-30819A666E50}" type="datetimeFigureOut">
               <a:rPr lang="fr-FR" smtClean="0"/>
-              <a:t>06/02/2025</a:t>
+              <a:t>07/02/2025</a:t>
             </a:fld>
             <a:endParaRPr lang="fr-FR"/>
           </a:p>
@@ -26643,7 +26645,7 @@
           <a:p>
             <a:fld id="{E3D0131B-4724-457B-8FCC-30819A666E50}" type="datetimeFigureOut">
               <a:rPr lang="fr-FR" smtClean="0"/>
-              <a:t>06/02/2025</a:t>
+              <a:t>07/02/2025</a:t>
             </a:fld>
             <a:endParaRPr lang="fr-FR"/>
           </a:p>
@@ -27017,7 +27019,7 @@
           <a:p>
             <a:fld id="{E3D0131B-4724-457B-8FCC-30819A666E50}" type="datetimeFigureOut">
               <a:rPr lang="fr-FR" smtClean="0"/>
-              <a:t>06/02/2025</a:t>
+              <a:t>07/02/2025</a:t>
             </a:fld>
             <a:endParaRPr lang="fr-FR"/>
           </a:p>
@@ -27140,7 +27142,7 @@
           <a:p>
             <a:fld id="{E3D0131B-4724-457B-8FCC-30819A666E50}" type="datetimeFigureOut">
               <a:rPr lang="fr-FR" smtClean="0"/>
-              <a:t>06/02/2025</a:t>
+              <a:t>07/02/2025</a:t>
             </a:fld>
             <a:endParaRPr lang="fr-FR"/>
           </a:p>
@@ -27235,7 +27237,7 @@
           <a:p>
             <a:fld id="{E3D0131B-4724-457B-8FCC-30819A666E50}" type="datetimeFigureOut">
               <a:rPr lang="fr-FR" smtClean="0"/>
-              <a:t>06/02/2025</a:t>
+              <a:t>07/02/2025</a:t>
             </a:fld>
             <a:endParaRPr lang="fr-FR"/>
           </a:p>
@@ -27490,7 +27492,7 @@
           <a:p>
             <a:fld id="{E3D0131B-4724-457B-8FCC-30819A666E50}" type="datetimeFigureOut">
               <a:rPr lang="fr-FR" smtClean="0"/>
-              <a:t>06/02/2025</a:t>
+              <a:t>07/02/2025</a:t>
             </a:fld>
             <a:endParaRPr lang="fr-FR"/>
           </a:p>
@@ -27753,7 +27755,7 @@
           <a:p>
             <a:fld id="{E3D0131B-4724-457B-8FCC-30819A666E50}" type="datetimeFigureOut">
               <a:rPr lang="fr-FR" smtClean="0"/>
-              <a:t>06/02/2025</a:t>
+              <a:t>07/02/2025</a:t>
             </a:fld>
             <a:endParaRPr lang="fr-FR"/>
           </a:p>
@@ -28496,7 +28498,7 @@
           <a:p>
             <a:fld id="{E3D0131B-4724-457B-8FCC-30819A666E50}" type="datetimeFigureOut">
               <a:rPr lang="fr-FR" smtClean="0"/>
-              <a:t>06/02/2025</a:t>
+              <a:t>07/02/2025</a:t>
             </a:fld>
             <a:endParaRPr lang="fr-FR"/>
           </a:p>
@@ -35899,6 +35901,1598 @@
 <file path=ppt/slides/slide17.xml><?xml version="1.0" encoding="utf-8"?>
 <p:sld xmlns:a="http://schemas.openxmlformats.org/drawingml/2006/main" xmlns:r="http://schemas.openxmlformats.org/officeDocument/2006/relationships" xmlns:p="http://schemas.openxmlformats.org/presentationml/2006/main">
   <p:cSld>
+    <p:bg>
+      <p:bgPr>
+        <a:solidFill>
+          <a:schemeClr val="accent1"/>
+        </a:solidFill>
+        <a:effectLst/>
+      </p:bgPr>
+    </p:bg>
+    <p:spTree>
+      <p:nvGrpSpPr>
+        <p:cNvPr id="1" name=""/>
+        <p:cNvGrpSpPr/>
+        <p:nvPr/>
+      </p:nvGrpSpPr>
+      <p:grpSpPr>
+        <a:xfrm>
+          <a:off x="0" y="0"/>
+          <a:ext cx="0" cy="0"/>
+          <a:chOff x="0" y="0"/>
+          <a:chExt cx="0" cy="0"/>
+        </a:xfrm>
+      </p:grpSpPr>
+      <p:grpSp>
+        <p:nvGrpSpPr>
+          <p:cNvPr id="10" name="Group 9">
+            <a:extLst>
+              <a:ext uri="{FF2B5EF4-FFF2-40B4-BE49-F238E27FC236}">
+                <a16:creationId xmlns:a16="http://schemas.microsoft.com/office/drawing/2014/main" id="{28460BD8-AE3F-4AC9-9D0B-717052AA5D3A}"/>
+              </a:ext>
+              <a:ext uri="{C183D7F6-B498-43B3-948B-1728B52AA6E4}">
+                <adec:decorative xmlns:adec="http://schemas.microsoft.com/office/drawing/2017/decorative" val="1"/>
+              </a:ext>
+            </a:extLst>
+          </p:cNvPr>
+          <p:cNvGrpSpPr>
+            <a:grpSpLocks noGrp="1" noUngrp="1" noRot="1" noChangeAspect="1" noMove="1" noResize="1"/>
+          </p:cNvGrpSpPr>
+          <p:nvPr>
+            <p:extLst>
+              <p:ext uri="{386F3935-93C4-4BCD-93E2-E3B085C9AB24}">
+                <p16:designElem xmlns:p16="http://schemas.microsoft.com/office/powerpoint/2015/main" val="1"/>
+              </p:ext>
+            </p:extLst>
+          </p:nvPr>
+        </p:nvGrpSpPr>
+        <p:grpSpPr>
+          <a:xfrm>
+            <a:off x="0" y="-8467"/>
+            <a:ext cx="12192000" cy="6866467"/>
+            <a:chOff x="0" y="-8467"/>
+            <a:chExt cx="12192000" cy="6866467"/>
+          </a:xfrm>
+        </p:grpSpPr>
+        <p:cxnSp>
+          <p:nvCxnSpPr>
+            <p:cNvPr id="11" name="Straight Connector 10">
+              <a:extLst>
+                <a:ext uri="{FF2B5EF4-FFF2-40B4-BE49-F238E27FC236}">
+                  <a16:creationId xmlns:a16="http://schemas.microsoft.com/office/drawing/2014/main" id="{54420CFE-F482-466E-9E1E-C78513C0B85D}"/>
+                </a:ext>
+                <a:ext uri="{C183D7F6-B498-43B3-948B-1728B52AA6E4}">
+                  <adec:decorative xmlns:adec="http://schemas.microsoft.com/office/drawing/2017/decorative" val="1"/>
+                </a:ext>
+              </a:extLst>
+            </p:cNvPr>
+            <p:cNvCxnSpPr/>
+            <p:nvPr>
+              <p:extLst>
+                <p:ext uri="{386F3935-93C4-4BCD-93E2-E3B085C9AB24}">
+                  <p16:designElem xmlns:p16="http://schemas.microsoft.com/office/powerpoint/2015/main" val="1"/>
+                </p:ext>
+              </p:extLst>
+            </p:nvPr>
+          </p:nvCxnSpPr>
+          <p:spPr>
+            <a:xfrm>
+              <a:off x="9371012" y="0"/>
+              <a:ext cx="1219200" cy="6858000"/>
+            </a:xfrm>
+            <a:prstGeom prst="line">
+              <a:avLst/>
+            </a:prstGeom>
+            <a:ln w="9525">
+              <a:solidFill>
+                <a:schemeClr val="bg1">
+                  <a:lumMod val="75000"/>
+                </a:schemeClr>
+              </a:solidFill>
+            </a:ln>
+          </p:spPr>
+          <p:style>
+            <a:lnRef idx="2">
+              <a:schemeClr val="accent1"/>
+            </a:lnRef>
+            <a:fillRef idx="0">
+              <a:schemeClr val="accent1"/>
+            </a:fillRef>
+            <a:effectRef idx="1">
+              <a:schemeClr val="accent1"/>
+            </a:effectRef>
+            <a:fontRef idx="minor">
+              <a:schemeClr val="tx1"/>
+            </a:fontRef>
+          </p:style>
+        </p:cxnSp>
+        <p:cxnSp>
+          <p:nvCxnSpPr>
+            <p:cNvPr id="12" name="Straight Connector 11">
+              <a:extLst>
+                <a:ext uri="{FF2B5EF4-FFF2-40B4-BE49-F238E27FC236}">
+                  <a16:creationId xmlns:a16="http://schemas.microsoft.com/office/drawing/2014/main" id="{5331032B-BD21-4BDA-920C-12E358052567}"/>
+                </a:ext>
+                <a:ext uri="{C183D7F6-B498-43B3-948B-1728B52AA6E4}">
+                  <adec:decorative xmlns:adec="http://schemas.microsoft.com/office/drawing/2017/decorative" val="1"/>
+                </a:ext>
+              </a:extLst>
+            </p:cNvPr>
+            <p:cNvCxnSpPr/>
+            <p:nvPr>
+              <p:extLst>
+                <p:ext uri="{386F3935-93C4-4BCD-93E2-E3B085C9AB24}">
+                  <p16:designElem xmlns:p16="http://schemas.microsoft.com/office/powerpoint/2015/main" val="1"/>
+                </p:ext>
+              </p:extLst>
+            </p:nvPr>
+          </p:nvCxnSpPr>
+          <p:spPr>
+            <a:xfrm flipH="1">
+              <a:off x="7425267" y="3681413"/>
+              <a:ext cx="4763558" cy="3176587"/>
+            </a:xfrm>
+            <a:prstGeom prst="line">
+              <a:avLst/>
+            </a:prstGeom>
+            <a:ln w="9525">
+              <a:solidFill>
+                <a:schemeClr val="bg1">
+                  <a:lumMod val="85000"/>
+                </a:schemeClr>
+              </a:solidFill>
+            </a:ln>
+          </p:spPr>
+          <p:style>
+            <a:lnRef idx="2">
+              <a:schemeClr val="accent1"/>
+            </a:lnRef>
+            <a:fillRef idx="0">
+              <a:schemeClr val="accent1"/>
+            </a:fillRef>
+            <a:effectRef idx="1">
+              <a:schemeClr val="accent1"/>
+            </a:effectRef>
+            <a:fontRef idx="minor">
+              <a:schemeClr val="tx1"/>
+            </a:fontRef>
+          </p:style>
+        </p:cxnSp>
+        <p:sp>
+          <p:nvSpPr>
+            <p:cNvPr id="13" name="Rectangle 23">
+              <a:extLst>
+                <a:ext uri="{FF2B5EF4-FFF2-40B4-BE49-F238E27FC236}">
+                  <a16:creationId xmlns:a16="http://schemas.microsoft.com/office/drawing/2014/main" id="{E7514DA3-59E7-409E-8A3B-AD097F6E5644}"/>
+                </a:ext>
+                <a:ext uri="{C183D7F6-B498-43B3-948B-1728B52AA6E4}">
+                  <adec:decorative xmlns:adec="http://schemas.microsoft.com/office/drawing/2017/decorative" val="1"/>
+                </a:ext>
+              </a:extLst>
+            </p:cNvPr>
+            <p:cNvSpPr/>
+            <p:nvPr>
+              <p:extLst>
+                <p:ext uri="{386F3935-93C4-4BCD-93E2-E3B085C9AB24}">
+                  <p16:designElem xmlns:p16="http://schemas.microsoft.com/office/powerpoint/2015/main" val="1"/>
+                </p:ext>
+              </p:extLst>
+            </p:nvPr>
+          </p:nvSpPr>
+          <p:spPr>
+            <a:xfrm>
+              <a:off x="9181476" y="-8467"/>
+              <a:ext cx="3007349" cy="6866467"/>
+            </a:xfrm>
+            <a:custGeom>
+              <a:avLst/>
+              <a:gdLst/>
+              <a:ahLst/>
+              <a:cxnLst/>
+              <a:rect l="l" t="t" r="r" b="b"/>
+              <a:pathLst>
+                <a:path w="3007349" h="6866467">
+                  <a:moveTo>
+                    <a:pt x="2045532" y="0"/>
+                  </a:moveTo>
+                  <a:lnTo>
+                    <a:pt x="3007349" y="0"/>
+                  </a:lnTo>
+                  <a:lnTo>
+                    <a:pt x="3007349" y="6866467"/>
+                  </a:lnTo>
+                  <a:lnTo>
+                    <a:pt x="0" y="6866467"/>
+                  </a:lnTo>
+                  <a:lnTo>
+                    <a:pt x="2045532" y="0"/>
+                  </a:lnTo>
+                  <a:close/>
+                </a:path>
+              </a:pathLst>
+            </a:custGeom>
+            <a:solidFill>
+              <a:schemeClr val="accent1">
+                <a:alpha val="30000"/>
+              </a:schemeClr>
+            </a:solidFill>
+            <a:ln>
+              <a:noFill/>
+            </a:ln>
+            <a:effectLst/>
+          </p:spPr>
+          <p:style>
+            <a:lnRef idx="1">
+              <a:schemeClr val="accent1"/>
+            </a:lnRef>
+            <a:fillRef idx="3">
+              <a:schemeClr val="accent1"/>
+            </a:fillRef>
+            <a:effectRef idx="2">
+              <a:schemeClr val="accent1"/>
+            </a:effectRef>
+            <a:fontRef idx="minor">
+              <a:schemeClr val="lt1"/>
+            </a:fontRef>
+          </p:style>
+          <p:txBody>
+            <a:bodyPr/>
+            <a:lstStyle/>
+            <a:p>
+              <a:endParaRPr lang="fr-FR"/>
+            </a:p>
+          </p:txBody>
+        </p:sp>
+        <p:sp>
+          <p:nvSpPr>
+            <p:cNvPr id="14" name="Rectangle 25">
+              <a:extLst>
+                <a:ext uri="{FF2B5EF4-FFF2-40B4-BE49-F238E27FC236}">
+                  <a16:creationId xmlns:a16="http://schemas.microsoft.com/office/drawing/2014/main" id="{57B9A2A6-3BE4-4599-9364-F71C5BFD61F8}"/>
+                </a:ext>
+                <a:ext uri="{C183D7F6-B498-43B3-948B-1728B52AA6E4}">
+                  <adec:decorative xmlns:adec="http://schemas.microsoft.com/office/drawing/2017/decorative" val="1"/>
+                </a:ext>
+              </a:extLst>
+            </p:cNvPr>
+            <p:cNvSpPr/>
+            <p:nvPr>
+              <p:extLst>
+                <p:ext uri="{386F3935-93C4-4BCD-93E2-E3B085C9AB24}">
+                  <p16:designElem xmlns:p16="http://schemas.microsoft.com/office/powerpoint/2015/main" val="1"/>
+                </p:ext>
+              </p:extLst>
+            </p:nvPr>
+          </p:nvSpPr>
+          <p:spPr>
+            <a:xfrm>
+              <a:off x="9603442" y="-8467"/>
+              <a:ext cx="2588558" cy="6866467"/>
+            </a:xfrm>
+            <a:custGeom>
+              <a:avLst/>
+              <a:gdLst/>
+              <a:ahLst/>
+              <a:cxnLst/>
+              <a:rect l="l" t="t" r="r" b="b"/>
+              <a:pathLst>
+                <a:path w="2573311" h="6866467">
+                  <a:moveTo>
+                    <a:pt x="0" y="0"/>
+                  </a:moveTo>
+                  <a:lnTo>
+                    <a:pt x="2573311" y="0"/>
+                  </a:lnTo>
+                  <a:lnTo>
+                    <a:pt x="2573311" y="6866467"/>
+                  </a:lnTo>
+                  <a:lnTo>
+                    <a:pt x="1202336" y="6866467"/>
+                  </a:lnTo>
+                  <a:lnTo>
+                    <a:pt x="0" y="0"/>
+                  </a:lnTo>
+                  <a:close/>
+                </a:path>
+              </a:pathLst>
+            </a:custGeom>
+            <a:solidFill>
+              <a:schemeClr val="accent1">
+                <a:alpha val="20000"/>
+              </a:schemeClr>
+            </a:solidFill>
+            <a:ln>
+              <a:noFill/>
+            </a:ln>
+            <a:effectLst/>
+          </p:spPr>
+          <p:style>
+            <a:lnRef idx="1">
+              <a:schemeClr val="accent1"/>
+            </a:lnRef>
+            <a:fillRef idx="3">
+              <a:schemeClr val="accent1"/>
+            </a:fillRef>
+            <a:effectRef idx="2">
+              <a:schemeClr val="accent1"/>
+            </a:effectRef>
+            <a:fontRef idx="minor">
+              <a:schemeClr val="lt1"/>
+            </a:fontRef>
+          </p:style>
+          <p:txBody>
+            <a:bodyPr/>
+            <a:lstStyle/>
+            <a:p>
+              <a:endParaRPr lang="fr-FR"/>
+            </a:p>
+          </p:txBody>
+        </p:sp>
+        <p:sp>
+          <p:nvSpPr>
+            <p:cNvPr id="15" name="Isosceles Triangle 14">
+              <a:extLst>
+                <a:ext uri="{FF2B5EF4-FFF2-40B4-BE49-F238E27FC236}">
+                  <a16:creationId xmlns:a16="http://schemas.microsoft.com/office/drawing/2014/main" id="{4FD744C6-4ED8-4BC9-BF68-6BDF701C5DB4}"/>
+                </a:ext>
+                <a:ext uri="{C183D7F6-B498-43B3-948B-1728B52AA6E4}">
+                  <adec:decorative xmlns:adec="http://schemas.microsoft.com/office/drawing/2017/decorative" val="1"/>
+                </a:ext>
+              </a:extLst>
+            </p:cNvPr>
+            <p:cNvSpPr/>
+            <p:nvPr>
+              <p:extLst>
+                <p:ext uri="{386F3935-93C4-4BCD-93E2-E3B085C9AB24}">
+                  <p16:designElem xmlns:p16="http://schemas.microsoft.com/office/powerpoint/2015/main" val="1"/>
+                </p:ext>
+              </p:extLst>
+            </p:nvPr>
+          </p:nvSpPr>
+          <p:spPr>
+            <a:xfrm>
+              <a:off x="8932333" y="3048000"/>
+              <a:ext cx="3259667" cy="3810000"/>
+            </a:xfrm>
+            <a:prstGeom prst="triangle">
+              <a:avLst>
+                <a:gd name="adj" fmla="val 100000"/>
+              </a:avLst>
+            </a:prstGeom>
+            <a:solidFill>
+              <a:schemeClr val="accent2">
+                <a:alpha val="72000"/>
+              </a:schemeClr>
+            </a:solidFill>
+            <a:ln>
+              <a:noFill/>
+            </a:ln>
+            <a:effectLst/>
+          </p:spPr>
+          <p:style>
+            <a:lnRef idx="1">
+              <a:schemeClr val="accent1"/>
+            </a:lnRef>
+            <a:fillRef idx="3">
+              <a:schemeClr val="accent1"/>
+            </a:fillRef>
+            <a:effectRef idx="2">
+              <a:schemeClr val="accent1"/>
+            </a:effectRef>
+            <a:fontRef idx="minor">
+              <a:schemeClr val="lt1"/>
+            </a:fontRef>
+          </p:style>
+          <p:txBody>
+            <a:bodyPr/>
+            <a:lstStyle/>
+            <a:p>
+              <a:endParaRPr lang="fr-FR"/>
+            </a:p>
+          </p:txBody>
+        </p:sp>
+        <p:sp>
+          <p:nvSpPr>
+            <p:cNvPr id="16" name="Rectangle 27">
+              <a:extLst>
+                <a:ext uri="{FF2B5EF4-FFF2-40B4-BE49-F238E27FC236}">
+                  <a16:creationId xmlns:a16="http://schemas.microsoft.com/office/drawing/2014/main" id="{092C5BAD-C911-4F8F-A1C5-470268BE668B}"/>
+                </a:ext>
+                <a:ext uri="{C183D7F6-B498-43B3-948B-1728B52AA6E4}">
+                  <adec:decorative xmlns:adec="http://schemas.microsoft.com/office/drawing/2017/decorative" val="1"/>
+                </a:ext>
+              </a:extLst>
+            </p:cNvPr>
+            <p:cNvSpPr/>
+            <p:nvPr>
+              <p:extLst>
+                <p:ext uri="{386F3935-93C4-4BCD-93E2-E3B085C9AB24}">
+                  <p16:designElem xmlns:p16="http://schemas.microsoft.com/office/powerpoint/2015/main" val="1"/>
+                </p:ext>
+              </p:extLst>
+            </p:nvPr>
+          </p:nvSpPr>
+          <p:spPr>
+            <a:xfrm>
+              <a:off x="9334500" y="-8467"/>
+              <a:ext cx="2854326" cy="6866467"/>
+            </a:xfrm>
+            <a:custGeom>
+              <a:avLst/>
+              <a:gdLst/>
+              <a:ahLst/>
+              <a:cxnLst/>
+              <a:rect l="l" t="t" r="r" b="b"/>
+              <a:pathLst>
+                <a:path w="2858013" h="6866467">
+                  <a:moveTo>
+                    <a:pt x="0" y="0"/>
+                  </a:moveTo>
+                  <a:lnTo>
+                    <a:pt x="2858013" y="0"/>
+                  </a:lnTo>
+                  <a:lnTo>
+                    <a:pt x="2858013" y="6866467"/>
+                  </a:lnTo>
+                  <a:lnTo>
+                    <a:pt x="2473942" y="6866467"/>
+                  </a:lnTo>
+                  <a:lnTo>
+                    <a:pt x="0" y="0"/>
+                  </a:lnTo>
+                  <a:close/>
+                </a:path>
+              </a:pathLst>
+            </a:custGeom>
+            <a:solidFill>
+              <a:schemeClr val="accent2">
+                <a:lumMod val="75000"/>
+                <a:alpha val="70000"/>
+              </a:schemeClr>
+            </a:solidFill>
+            <a:ln>
+              <a:noFill/>
+            </a:ln>
+            <a:effectLst/>
+          </p:spPr>
+          <p:style>
+            <a:lnRef idx="1">
+              <a:schemeClr val="accent1"/>
+            </a:lnRef>
+            <a:fillRef idx="3">
+              <a:schemeClr val="accent1"/>
+            </a:fillRef>
+            <a:effectRef idx="2">
+              <a:schemeClr val="accent1"/>
+            </a:effectRef>
+            <a:fontRef idx="minor">
+              <a:schemeClr val="lt1"/>
+            </a:fontRef>
+          </p:style>
+          <p:txBody>
+            <a:bodyPr/>
+            <a:lstStyle/>
+            <a:p>
+              <a:endParaRPr lang="fr-FR"/>
+            </a:p>
+          </p:txBody>
+        </p:sp>
+        <p:sp>
+          <p:nvSpPr>
+            <p:cNvPr id="17" name="Rectangle 28">
+              <a:extLst>
+                <a:ext uri="{FF2B5EF4-FFF2-40B4-BE49-F238E27FC236}">
+                  <a16:creationId xmlns:a16="http://schemas.microsoft.com/office/drawing/2014/main" id="{B133D0C8-4EC4-424F-8E70-0482D5B1B653}"/>
+                </a:ext>
+                <a:ext uri="{C183D7F6-B498-43B3-948B-1728B52AA6E4}">
+                  <adec:decorative xmlns:adec="http://schemas.microsoft.com/office/drawing/2017/decorative" val="1"/>
+                </a:ext>
+              </a:extLst>
+            </p:cNvPr>
+            <p:cNvSpPr/>
+            <p:nvPr>
+              <p:extLst>
+                <p:ext uri="{386F3935-93C4-4BCD-93E2-E3B085C9AB24}">
+                  <p16:designElem xmlns:p16="http://schemas.microsoft.com/office/powerpoint/2015/main" val="1"/>
+                </p:ext>
+              </p:extLst>
+            </p:nvPr>
+          </p:nvSpPr>
+          <p:spPr>
+            <a:xfrm>
+              <a:off x="10898730" y="-8467"/>
+              <a:ext cx="1290094" cy="6866467"/>
+            </a:xfrm>
+            <a:custGeom>
+              <a:avLst/>
+              <a:gdLst/>
+              <a:ahLst/>
+              <a:cxnLst/>
+              <a:rect l="l" t="t" r="r" b="b"/>
+              <a:pathLst>
+                <a:path w="1290094" h="6858000">
+                  <a:moveTo>
+                    <a:pt x="1019735" y="0"/>
+                  </a:moveTo>
+                  <a:lnTo>
+                    <a:pt x="1290094" y="0"/>
+                  </a:lnTo>
+                  <a:lnTo>
+                    <a:pt x="1290094" y="6858000"/>
+                  </a:lnTo>
+                  <a:lnTo>
+                    <a:pt x="0" y="6858000"/>
+                  </a:lnTo>
+                  <a:lnTo>
+                    <a:pt x="1019735" y="0"/>
+                  </a:lnTo>
+                  <a:close/>
+                </a:path>
+              </a:pathLst>
+            </a:custGeom>
+            <a:solidFill>
+              <a:schemeClr val="accent1">
+                <a:lumMod val="60000"/>
+                <a:lumOff val="40000"/>
+                <a:alpha val="70000"/>
+              </a:schemeClr>
+            </a:solidFill>
+            <a:ln>
+              <a:noFill/>
+            </a:ln>
+            <a:effectLst/>
+          </p:spPr>
+          <p:style>
+            <a:lnRef idx="1">
+              <a:schemeClr val="accent1"/>
+            </a:lnRef>
+            <a:fillRef idx="3">
+              <a:schemeClr val="accent1"/>
+            </a:fillRef>
+            <a:effectRef idx="2">
+              <a:schemeClr val="accent1"/>
+            </a:effectRef>
+            <a:fontRef idx="minor">
+              <a:schemeClr val="lt1"/>
+            </a:fontRef>
+          </p:style>
+          <p:txBody>
+            <a:bodyPr/>
+            <a:lstStyle/>
+            <a:p>
+              <a:endParaRPr lang="fr-FR"/>
+            </a:p>
+          </p:txBody>
+        </p:sp>
+        <p:sp>
+          <p:nvSpPr>
+            <p:cNvPr id="18" name="Rectangle 29">
+              <a:extLst>
+                <a:ext uri="{FF2B5EF4-FFF2-40B4-BE49-F238E27FC236}">
+                  <a16:creationId xmlns:a16="http://schemas.microsoft.com/office/drawing/2014/main" id="{7B1532A0-F4B3-4DE8-B18F-740CAAD25AC4}"/>
+                </a:ext>
+                <a:ext uri="{C183D7F6-B498-43B3-948B-1728B52AA6E4}">
+                  <adec:decorative xmlns:adec="http://schemas.microsoft.com/office/drawing/2017/decorative" val="1"/>
+                </a:ext>
+              </a:extLst>
+            </p:cNvPr>
+            <p:cNvSpPr/>
+            <p:nvPr>
+              <p:extLst>
+                <p:ext uri="{386F3935-93C4-4BCD-93E2-E3B085C9AB24}">
+                  <p16:designElem xmlns:p16="http://schemas.microsoft.com/office/powerpoint/2015/main" val="1"/>
+                </p:ext>
+              </p:extLst>
+            </p:nvPr>
+          </p:nvSpPr>
+          <p:spPr>
+            <a:xfrm>
+              <a:off x="10938999" y="-8467"/>
+              <a:ext cx="1249825" cy="6866467"/>
+            </a:xfrm>
+            <a:custGeom>
+              <a:avLst/>
+              <a:gdLst/>
+              <a:ahLst/>
+              <a:cxnLst/>
+              <a:rect l="l" t="t" r="r" b="b"/>
+              <a:pathLst>
+                <a:path w="1249825" h="6858000">
+                  <a:moveTo>
+                    <a:pt x="0" y="0"/>
+                  </a:moveTo>
+                  <a:lnTo>
+                    <a:pt x="1249825" y="0"/>
+                  </a:lnTo>
+                  <a:lnTo>
+                    <a:pt x="1249825" y="6858000"/>
+                  </a:lnTo>
+                  <a:lnTo>
+                    <a:pt x="1109382" y="6858000"/>
+                  </a:lnTo>
+                  <a:lnTo>
+                    <a:pt x="0" y="0"/>
+                  </a:lnTo>
+                  <a:close/>
+                </a:path>
+              </a:pathLst>
+            </a:custGeom>
+            <a:solidFill>
+              <a:schemeClr val="accent1">
+                <a:alpha val="65000"/>
+              </a:schemeClr>
+            </a:solidFill>
+            <a:ln>
+              <a:noFill/>
+            </a:ln>
+            <a:effectLst/>
+          </p:spPr>
+          <p:style>
+            <a:lnRef idx="1">
+              <a:schemeClr val="accent1"/>
+            </a:lnRef>
+            <a:fillRef idx="3">
+              <a:schemeClr val="accent1"/>
+            </a:fillRef>
+            <a:effectRef idx="2">
+              <a:schemeClr val="accent1"/>
+            </a:effectRef>
+            <a:fontRef idx="minor">
+              <a:schemeClr val="lt1"/>
+            </a:fontRef>
+          </p:style>
+          <p:txBody>
+            <a:bodyPr/>
+            <a:lstStyle/>
+            <a:p>
+              <a:endParaRPr lang="fr-FR"/>
+            </a:p>
+          </p:txBody>
+        </p:sp>
+        <p:sp>
+          <p:nvSpPr>
+            <p:cNvPr id="19" name="Isosceles Triangle 18">
+              <a:extLst>
+                <a:ext uri="{FF2B5EF4-FFF2-40B4-BE49-F238E27FC236}">
+                  <a16:creationId xmlns:a16="http://schemas.microsoft.com/office/drawing/2014/main" id="{8EFDD162-BBBA-4062-8BBF-53DBA1091374}"/>
+                </a:ext>
+                <a:ext uri="{C183D7F6-B498-43B3-948B-1728B52AA6E4}">
+                  <adec:decorative xmlns:adec="http://schemas.microsoft.com/office/drawing/2017/decorative" val="1"/>
+                </a:ext>
+              </a:extLst>
+            </p:cNvPr>
+            <p:cNvSpPr/>
+            <p:nvPr>
+              <p:extLst>
+                <p:ext uri="{386F3935-93C4-4BCD-93E2-E3B085C9AB24}">
+                  <p16:designElem xmlns:p16="http://schemas.microsoft.com/office/powerpoint/2015/main" val="1"/>
+                </p:ext>
+              </p:extLst>
+            </p:nvPr>
+          </p:nvSpPr>
+          <p:spPr>
+            <a:xfrm>
+              <a:off x="10371666" y="3589867"/>
+              <a:ext cx="1817159" cy="3268133"/>
+            </a:xfrm>
+            <a:prstGeom prst="triangle">
+              <a:avLst>
+                <a:gd name="adj" fmla="val 100000"/>
+              </a:avLst>
+            </a:prstGeom>
+            <a:solidFill>
+              <a:schemeClr val="accent1">
+                <a:alpha val="80000"/>
+              </a:schemeClr>
+            </a:solidFill>
+            <a:ln>
+              <a:noFill/>
+            </a:ln>
+            <a:effectLst/>
+          </p:spPr>
+          <p:style>
+            <a:lnRef idx="1">
+              <a:schemeClr val="accent1"/>
+            </a:lnRef>
+            <a:fillRef idx="3">
+              <a:schemeClr val="accent1"/>
+            </a:fillRef>
+            <a:effectRef idx="2">
+              <a:schemeClr val="accent1"/>
+            </a:effectRef>
+            <a:fontRef idx="minor">
+              <a:schemeClr val="lt1"/>
+            </a:fontRef>
+          </p:style>
+          <p:txBody>
+            <a:bodyPr/>
+            <a:lstStyle/>
+            <a:p>
+              <a:endParaRPr lang="fr-FR"/>
+            </a:p>
+          </p:txBody>
+        </p:sp>
+        <p:sp>
+          <p:nvSpPr>
+            <p:cNvPr id="20" name="Isosceles Triangle 19">
+              <a:extLst>
+                <a:ext uri="{FF2B5EF4-FFF2-40B4-BE49-F238E27FC236}">
+                  <a16:creationId xmlns:a16="http://schemas.microsoft.com/office/drawing/2014/main" id="{DCFC9E65-3E19-4483-B952-25D29683CA56}"/>
+                </a:ext>
+                <a:ext uri="{C183D7F6-B498-43B3-948B-1728B52AA6E4}">
+                  <adec:decorative xmlns:adec="http://schemas.microsoft.com/office/drawing/2017/decorative" val="1"/>
+                </a:ext>
+              </a:extLst>
+            </p:cNvPr>
+            <p:cNvSpPr/>
+            <p:nvPr>
+              <p:extLst>
+                <p:ext uri="{386F3935-93C4-4BCD-93E2-E3B085C9AB24}">
+                  <p16:designElem xmlns:p16="http://schemas.microsoft.com/office/powerpoint/2015/main" val="1"/>
+                </p:ext>
+              </p:extLst>
+            </p:nvPr>
+          </p:nvSpPr>
+          <p:spPr>
+            <a:xfrm rot="10800000">
+              <a:off x="0" y="0"/>
+              <a:ext cx="842596" cy="5666154"/>
+            </a:xfrm>
+            <a:prstGeom prst="triangle">
+              <a:avLst>
+                <a:gd name="adj" fmla="val 100000"/>
+              </a:avLst>
+            </a:prstGeom>
+            <a:solidFill>
+              <a:schemeClr val="accent1">
+                <a:alpha val="85000"/>
+              </a:schemeClr>
+            </a:solidFill>
+            <a:ln>
+              <a:noFill/>
+            </a:ln>
+            <a:effectLst/>
+          </p:spPr>
+          <p:style>
+            <a:lnRef idx="1">
+              <a:schemeClr val="accent1"/>
+            </a:lnRef>
+            <a:fillRef idx="3">
+              <a:schemeClr val="accent1"/>
+            </a:fillRef>
+            <a:effectRef idx="2">
+              <a:schemeClr val="accent1"/>
+            </a:effectRef>
+            <a:fontRef idx="minor">
+              <a:schemeClr val="lt1"/>
+            </a:fontRef>
+          </p:style>
+          <p:txBody>
+            <a:bodyPr/>
+            <a:lstStyle/>
+            <a:p>
+              <a:endParaRPr lang="fr-FR"/>
+            </a:p>
+          </p:txBody>
+        </p:sp>
+      </p:grpSp>
+      <p:sp>
+        <p:nvSpPr>
+          <p:cNvPr id="22" name="Rectangle 21">
+            <a:extLst>
+              <a:ext uri="{FF2B5EF4-FFF2-40B4-BE49-F238E27FC236}">
+                <a16:creationId xmlns:a16="http://schemas.microsoft.com/office/drawing/2014/main" id="{9B8A5A16-7BE9-4AA1-9B5E-00FAFA5C8647}"/>
+              </a:ext>
+              <a:ext uri="{C183D7F6-B498-43B3-948B-1728B52AA6E4}">
+                <adec:decorative xmlns:adec="http://schemas.microsoft.com/office/drawing/2017/decorative" val="1"/>
+              </a:ext>
+            </a:extLst>
+          </p:cNvPr>
+          <p:cNvSpPr>
+            <a:spLocks noGrp="1" noRot="1" noChangeAspect="1" noMove="1" noResize="1" noEditPoints="1" noAdjustHandles="1" noChangeArrowheads="1" noChangeShapeType="1" noTextEdit="1"/>
+          </p:cNvSpPr>
+          <p:nvPr>
+            <p:extLst>
+              <p:ext uri="{386F3935-93C4-4BCD-93E2-E3B085C9AB24}">
+                <p16:designElem xmlns:p16="http://schemas.microsoft.com/office/powerpoint/2015/main" val="1"/>
+              </p:ext>
+            </p:extLst>
+          </p:nvPr>
+        </p:nvSpPr>
+        <p:spPr>
+          <a:xfrm>
+            <a:off x="0" y="0"/>
+            <a:ext cx="12192000" cy="6858000"/>
+          </a:xfrm>
+          <a:prstGeom prst="rect">
+            <a:avLst/>
+          </a:prstGeom>
+          <a:ln>
+            <a:noFill/>
+          </a:ln>
+        </p:spPr>
+        <p:style>
+          <a:lnRef idx="2">
+            <a:schemeClr val="accent1">
+              <a:shade val="50000"/>
+            </a:schemeClr>
+          </a:lnRef>
+          <a:fillRef idx="1">
+            <a:schemeClr val="accent1"/>
+          </a:fillRef>
+          <a:effectRef idx="0">
+            <a:schemeClr val="accent1"/>
+          </a:effectRef>
+          <a:fontRef idx="minor">
+            <a:schemeClr val="lt1"/>
+          </a:fontRef>
+        </p:style>
+        <p:txBody>
+          <a:bodyPr rtlCol="0" anchor="ctr"/>
+          <a:lstStyle/>
+          <a:p>
+            <a:pPr algn="ctr"/>
+            <a:endParaRPr lang="en-US"/>
+          </a:p>
+        </p:txBody>
+      </p:sp>
+      <p:grpSp>
+        <p:nvGrpSpPr>
+          <p:cNvPr id="24" name="Group 23">
+            <a:extLst>
+              <a:ext uri="{FF2B5EF4-FFF2-40B4-BE49-F238E27FC236}">
+                <a16:creationId xmlns:a16="http://schemas.microsoft.com/office/drawing/2014/main" id="{C55D27F9-7623-4A6E-89FF-87E6C4E0D908}"/>
+              </a:ext>
+              <a:ext uri="{C183D7F6-B498-43B3-948B-1728B52AA6E4}">
+                <adec:decorative xmlns:adec="http://schemas.microsoft.com/office/drawing/2017/decorative" val="1"/>
+              </a:ext>
+            </a:extLst>
+          </p:cNvPr>
+          <p:cNvGrpSpPr>
+            <a:grpSpLocks noGrp="1" noUngrp="1" noRot="1" noChangeAspect="1" noMove="1" noResize="1"/>
+          </p:cNvGrpSpPr>
+          <p:nvPr>
+            <p:extLst>
+              <p:ext uri="{386F3935-93C4-4BCD-93E2-E3B085C9AB24}">
+                <p16:designElem xmlns:p16="http://schemas.microsoft.com/office/powerpoint/2015/main" val="1"/>
+              </p:ext>
+            </p:extLst>
+          </p:nvPr>
+        </p:nvGrpSpPr>
+        <p:grpSpPr>
+          <a:xfrm>
+            <a:off x="0" y="-8467"/>
+            <a:ext cx="12192000" cy="6866467"/>
+            <a:chOff x="0" y="-8467"/>
+            <a:chExt cx="12192000" cy="6866467"/>
+          </a:xfrm>
+        </p:grpSpPr>
+        <p:cxnSp>
+          <p:nvCxnSpPr>
+            <p:cNvPr id="25" name="Straight Connector 24">
+              <a:extLst>
+                <a:ext uri="{FF2B5EF4-FFF2-40B4-BE49-F238E27FC236}">
+                  <a16:creationId xmlns:a16="http://schemas.microsoft.com/office/drawing/2014/main" id="{67B7CFC0-1E17-41C5-BF93-16E99B1F8974}"/>
+                </a:ext>
+                <a:ext uri="{C183D7F6-B498-43B3-948B-1728B52AA6E4}">
+                  <adec:decorative xmlns:adec="http://schemas.microsoft.com/office/drawing/2017/decorative" val="1"/>
+                </a:ext>
+              </a:extLst>
+            </p:cNvPr>
+            <p:cNvCxnSpPr/>
+            <p:nvPr>
+              <p:extLst>
+                <p:ext uri="{386F3935-93C4-4BCD-93E2-E3B085C9AB24}">
+                  <p16:designElem xmlns:p16="http://schemas.microsoft.com/office/powerpoint/2015/main" val="1"/>
+                </p:ext>
+              </p:extLst>
+            </p:nvPr>
+          </p:nvCxnSpPr>
+          <p:spPr>
+            <a:xfrm flipH="1">
+              <a:off x="7425267" y="3681413"/>
+              <a:ext cx="4763558" cy="3176587"/>
+            </a:xfrm>
+            <a:prstGeom prst="line">
+              <a:avLst/>
+            </a:prstGeom>
+            <a:ln w="9525">
+              <a:solidFill>
+                <a:srgbClr val="FFFFFF">
+                  <a:alpha val="80000"/>
+                </a:srgbClr>
+              </a:solidFill>
+            </a:ln>
+          </p:spPr>
+          <p:style>
+            <a:lnRef idx="2">
+              <a:schemeClr val="accent1"/>
+            </a:lnRef>
+            <a:fillRef idx="0">
+              <a:schemeClr val="accent1"/>
+            </a:fillRef>
+            <a:effectRef idx="1">
+              <a:schemeClr val="accent1"/>
+            </a:effectRef>
+            <a:fontRef idx="minor">
+              <a:schemeClr val="tx1"/>
+            </a:fontRef>
+          </p:style>
+        </p:cxnSp>
+        <p:sp>
+          <p:nvSpPr>
+            <p:cNvPr id="26" name="Rectangle 23">
+              <a:extLst>
+                <a:ext uri="{FF2B5EF4-FFF2-40B4-BE49-F238E27FC236}">
+                  <a16:creationId xmlns:a16="http://schemas.microsoft.com/office/drawing/2014/main" id="{8640594F-E37B-4D91-8E95-9DA62A9B9657}"/>
+                </a:ext>
+                <a:ext uri="{C183D7F6-B498-43B3-948B-1728B52AA6E4}">
+                  <adec:decorative xmlns:adec="http://schemas.microsoft.com/office/drawing/2017/decorative" val="1"/>
+                </a:ext>
+              </a:extLst>
+            </p:cNvPr>
+            <p:cNvSpPr/>
+            <p:nvPr>
+              <p:extLst>
+                <p:ext uri="{386F3935-93C4-4BCD-93E2-E3B085C9AB24}">
+                  <p16:designElem xmlns:p16="http://schemas.microsoft.com/office/powerpoint/2015/main" val="1"/>
+                </p:ext>
+              </p:extLst>
+            </p:nvPr>
+          </p:nvSpPr>
+          <p:spPr>
+            <a:xfrm>
+              <a:off x="9181476" y="-8467"/>
+              <a:ext cx="3007349" cy="6866467"/>
+            </a:xfrm>
+            <a:custGeom>
+              <a:avLst/>
+              <a:gdLst/>
+              <a:ahLst/>
+              <a:cxnLst/>
+              <a:rect l="l" t="t" r="r" b="b"/>
+              <a:pathLst>
+                <a:path w="3007349" h="6866467">
+                  <a:moveTo>
+                    <a:pt x="2045532" y="0"/>
+                  </a:moveTo>
+                  <a:lnTo>
+                    <a:pt x="3007349" y="0"/>
+                  </a:lnTo>
+                  <a:lnTo>
+                    <a:pt x="3007349" y="6866467"/>
+                  </a:lnTo>
+                  <a:lnTo>
+                    <a:pt x="0" y="6866467"/>
+                  </a:lnTo>
+                  <a:lnTo>
+                    <a:pt x="2045532" y="0"/>
+                  </a:lnTo>
+                  <a:close/>
+                </a:path>
+              </a:pathLst>
+            </a:custGeom>
+            <a:solidFill>
+              <a:schemeClr val="accent1">
+                <a:alpha val="30000"/>
+              </a:schemeClr>
+            </a:solidFill>
+            <a:ln>
+              <a:noFill/>
+            </a:ln>
+            <a:effectLst/>
+          </p:spPr>
+          <p:style>
+            <a:lnRef idx="1">
+              <a:schemeClr val="accent1"/>
+            </a:lnRef>
+            <a:fillRef idx="3">
+              <a:schemeClr val="accent1"/>
+            </a:fillRef>
+            <a:effectRef idx="2">
+              <a:schemeClr val="accent1"/>
+            </a:effectRef>
+            <a:fontRef idx="minor">
+              <a:schemeClr val="lt1"/>
+            </a:fontRef>
+          </p:style>
+          <p:txBody>
+            <a:bodyPr/>
+            <a:lstStyle/>
+            <a:p>
+              <a:endParaRPr lang="fr-FR"/>
+            </a:p>
+          </p:txBody>
+        </p:sp>
+        <p:sp>
+          <p:nvSpPr>
+            <p:cNvPr id="27" name="Rectangle 25">
+              <a:extLst>
+                <a:ext uri="{FF2B5EF4-FFF2-40B4-BE49-F238E27FC236}">
+                  <a16:creationId xmlns:a16="http://schemas.microsoft.com/office/drawing/2014/main" id="{93C9D004-5359-4937-9D4B-EC89888063B2}"/>
+                </a:ext>
+                <a:ext uri="{C183D7F6-B498-43B3-948B-1728B52AA6E4}">
+                  <adec:decorative xmlns:adec="http://schemas.microsoft.com/office/drawing/2017/decorative" val="1"/>
+                </a:ext>
+              </a:extLst>
+            </p:cNvPr>
+            <p:cNvSpPr/>
+            <p:nvPr>
+              <p:extLst>
+                <p:ext uri="{386F3935-93C4-4BCD-93E2-E3B085C9AB24}">
+                  <p16:designElem xmlns:p16="http://schemas.microsoft.com/office/powerpoint/2015/main" val="1"/>
+                </p:ext>
+              </p:extLst>
+            </p:nvPr>
+          </p:nvSpPr>
+          <p:spPr>
+            <a:xfrm>
+              <a:off x="9603442" y="-8467"/>
+              <a:ext cx="2588558" cy="6866467"/>
+            </a:xfrm>
+            <a:custGeom>
+              <a:avLst/>
+              <a:gdLst/>
+              <a:ahLst/>
+              <a:cxnLst/>
+              <a:rect l="l" t="t" r="r" b="b"/>
+              <a:pathLst>
+                <a:path w="2573311" h="6866467">
+                  <a:moveTo>
+                    <a:pt x="0" y="0"/>
+                  </a:moveTo>
+                  <a:lnTo>
+                    <a:pt x="2573311" y="0"/>
+                  </a:lnTo>
+                  <a:lnTo>
+                    <a:pt x="2573311" y="6866467"/>
+                  </a:lnTo>
+                  <a:lnTo>
+                    <a:pt x="1202336" y="6866467"/>
+                  </a:lnTo>
+                  <a:lnTo>
+                    <a:pt x="0" y="0"/>
+                  </a:lnTo>
+                  <a:close/>
+                </a:path>
+              </a:pathLst>
+            </a:custGeom>
+            <a:solidFill>
+              <a:schemeClr val="accent1">
+                <a:alpha val="20000"/>
+              </a:schemeClr>
+            </a:solidFill>
+            <a:ln>
+              <a:noFill/>
+            </a:ln>
+            <a:effectLst/>
+          </p:spPr>
+          <p:style>
+            <a:lnRef idx="1">
+              <a:schemeClr val="accent1"/>
+            </a:lnRef>
+            <a:fillRef idx="3">
+              <a:schemeClr val="accent1"/>
+            </a:fillRef>
+            <a:effectRef idx="2">
+              <a:schemeClr val="accent1"/>
+            </a:effectRef>
+            <a:fontRef idx="minor">
+              <a:schemeClr val="lt1"/>
+            </a:fontRef>
+          </p:style>
+          <p:txBody>
+            <a:bodyPr/>
+            <a:lstStyle/>
+            <a:p>
+              <a:endParaRPr lang="fr-FR"/>
+            </a:p>
+          </p:txBody>
+        </p:sp>
+        <p:sp>
+          <p:nvSpPr>
+            <p:cNvPr id="28" name="Isosceles Triangle 27">
+              <a:extLst>
+                <a:ext uri="{FF2B5EF4-FFF2-40B4-BE49-F238E27FC236}">
+                  <a16:creationId xmlns:a16="http://schemas.microsoft.com/office/drawing/2014/main" id="{0DE8B4BF-A71A-4324-A033-7886CF70A07E}"/>
+                </a:ext>
+                <a:ext uri="{C183D7F6-B498-43B3-948B-1728B52AA6E4}">
+                  <adec:decorative xmlns:adec="http://schemas.microsoft.com/office/drawing/2017/decorative" val="1"/>
+                </a:ext>
+              </a:extLst>
+            </p:cNvPr>
+            <p:cNvSpPr/>
+            <p:nvPr>
+              <p:extLst>
+                <p:ext uri="{386F3935-93C4-4BCD-93E2-E3B085C9AB24}">
+                  <p16:designElem xmlns:p16="http://schemas.microsoft.com/office/powerpoint/2015/main" val="1"/>
+                </p:ext>
+              </p:extLst>
+            </p:nvPr>
+          </p:nvSpPr>
+          <p:spPr>
+            <a:xfrm>
+              <a:off x="8932333" y="3048000"/>
+              <a:ext cx="3259667" cy="3810000"/>
+            </a:xfrm>
+            <a:prstGeom prst="triangle">
+              <a:avLst>
+                <a:gd name="adj" fmla="val 100000"/>
+              </a:avLst>
+            </a:prstGeom>
+            <a:solidFill>
+              <a:schemeClr val="accent2">
+                <a:alpha val="72000"/>
+              </a:schemeClr>
+            </a:solidFill>
+            <a:ln>
+              <a:noFill/>
+            </a:ln>
+            <a:effectLst/>
+          </p:spPr>
+          <p:style>
+            <a:lnRef idx="1">
+              <a:schemeClr val="accent1"/>
+            </a:lnRef>
+            <a:fillRef idx="3">
+              <a:schemeClr val="accent1"/>
+            </a:fillRef>
+            <a:effectRef idx="2">
+              <a:schemeClr val="accent1"/>
+            </a:effectRef>
+            <a:fontRef idx="minor">
+              <a:schemeClr val="lt1"/>
+            </a:fontRef>
+          </p:style>
+          <p:txBody>
+            <a:bodyPr/>
+            <a:lstStyle/>
+            <a:p>
+              <a:endParaRPr lang="fr-FR"/>
+            </a:p>
+          </p:txBody>
+        </p:sp>
+        <p:sp>
+          <p:nvSpPr>
+            <p:cNvPr id="29" name="Rectangle 27">
+              <a:extLst>
+                <a:ext uri="{FF2B5EF4-FFF2-40B4-BE49-F238E27FC236}">
+                  <a16:creationId xmlns:a16="http://schemas.microsoft.com/office/drawing/2014/main" id="{5697F627-1058-435C-96D4-98AB552C6A1E}"/>
+                </a:ext>
+                <a:ext uri="{C183D7F6-B498-43B3-948B-1728B52AA6E4}">
+                  <adec:decorative xmlns:adec="http://schemas.microsoft.com/office/drawing/2017/decorative" val="1"/>
+                </a:ext>
+              </a:extLst>
+            </p:cNvPr>
+            <p:cNvSpPr/>
+            <p:nvPr>
+              <p:extLst>
+                <p:ext uri="{386F3935-93C4-4BCD-93E2-E3B085C9AB24}">
+                  <p16:designElem xmlns:p16="http://schemas.microsoft.com/office/powerpoint/2015/main" val="1"/>
+                </p:ext>
+              </p:extLst>
+            </p:nvPr>
+          </p:nvSpPr>
+          <p:spPr>
+            <a:xfrm>
+              <a:off x="9334500" y="-8467"/>
+              <a:ext cx="2854326" cy="6866467"/>
+            </a:xfrm>
+            <a:custGeom>
+              <a:avLst/>
+              <a:gdLst/>
+              <a:ahLst/>
+              <a:cxnLst/>
+              <a:rect l="l" t="t" r="r" b="b"/>
+              <a:pathLst>
+                <a:path w="2858013" h="6866467">
+                  <a:moveTo>
+                    <a:pt x="0" y="0"/>
+                  </a:moveTo>
+                  <a:lnTo>
+                    <a:pt x="2858013" y="0"/>
+                  </a:lnTo>
+                  <a:lnTo>
+                    <a:pt x="2858013" y="6866467"/>
+                  </a:lnTo>
+                  <a:lnTo>
+                    <a:pt x="2473942" y="6866467"/>
+                  </a:lnTo>
+                  <a:lnTo>
+                    <a:pt x="0" y="0"/>
+                  </a:lnTo>
+                  <a:close/>
+                </a:path>
+              </a:pathLst>
+            </a:custGeom>
+            <a:solidFill>
+              <a:schemeClr val="accent2">
+                <a:lumMod val="75000"/>
+                <a:alpha val="70000"/>
+              </a:schemeClr>
+            </a:solidFill>
+            <a:ln>
+              <a:noFill/>
+            </a:ln>
+            <a:effectLst/>
+          </p:spPr>
+          <p:style>
+            <a:lnRef idx="1">
+              <a:schemeClr val="accent1"/>
+            </a:lnRef>
+            <a:fillRef idx="3">
+              <a:schemeClr val="accent1"/>
+            </a:fillRef>
+            <a:effectRef idx="2">
+              <a:schemeClr val="accent1"/>
+            </a:effectRef>
+            <a:fontRef idx="minor">
+              <a:schemeClr val="lt1"/>
+            </a:fontRef>
+          </p:style>
+          <p:txBody>
+            <a:bodyPr/>
+            <a:lstStyle/>
+            <a:p>
+              <a:endParaRPr lang="fr-FR"/>
+            </a:p>
+          </p:txBody>
+        </p:sp>
+        <p:cxnSp>
+          <p:nvCxnSpPr>
+            <p:cNvPr id="30" name="Straight Connector 29">
+              <a:extLst>
+                <a:ext uri="{FF2B5EF4-FFF2-40B4-BE49-F238E27FC236}">
+                  <a16:creationId xmlns:a16="http://schemas.microsoft.com/office/drawing/2014/main" id="{492EF457-D744-4C61-8670-518EC1D2D524}"/>
+                </a:ext>
+                <a:ext uri="{C183D7F6-B498-43B3-948B-1728B52AA6E4}">
+                  <adec:decorative xmlns:adec="http://schemas.microsoft.com/office/drawing/2017/decorative" val="1"/>
+                </a:ext>
+              </a:extLst>
+            </p:cNvPr>
+            <p:cNvCxnSpPr/>
+            <p:nvPr>
+              <p:extLst>
+                <p:ext uri="{386F3935-93C4-4BCD-93E2-E3B085C9AB24}">
+                  <p16:designElem xmlns:p16="http://schemas.microsoft.com/office/powerpoint/2015/main" val="1"/>
+                </p:ext>
+              </p:extLst>
+            </p:nvPr>
+          </p:nvCxnSpPr>
+          <p:spPr>
+            <a:xfrm>
+              <a:off x="9645924" y="0"/>
+              <a:ext cx="1219200" cy="6858000"/>
+            </a:xfrm>
+            <a:prstGeom prst="line">
+              <a:avLst/>
+            </a:prstGeom>
+            <a:ln w="9525">
+              <a:solidFill>
+                <a:srgbClr val="FFFFFF"/>
+              </a:solidFill>
+            </a:ln>
+          </p:spPr>
+          <p:style>
+            <a:lnRef idx="2">
+              <a:schemeClr val="accent1"/>
+            </a:lnRef>
+            <a:fillRef idx="0">
+              <a:schemeClr val="accent1"/>
+            </a:fillRef>
+            <a:effectRef idx="1">
+              <a:schemeClr val="accent1"/>
+            </a:effectRef>
+            <a:fontRef idx="minor">
+              <a:schemeClr val="tx1"/>
+            </a:fontRef>
+          </p:style>
+        </p:cxnSp>
+        <p:sp>
+          <p:nvSpPr>
+            <p:cNvPr id="31" name="Rectangle 29">
+              <a:extLst>
+                <a:ext uri="{FF2B5EF4-FFF2-40B4-BE49-F238E27FC236}">
+                  <a16:creationId xmlns:a16="http://schemas.microsoft.com/office/drawing/2014/main" id="{49E61018-BC96-47DC-B47F-FFBA96BAD8D7}"/>
+                </a:ext>
+                <a:ext uri="{C183D7F6-B498-43B3-948B-1728B52AA6E4}">
+                  <adec:decorative xmlns:adec="http://schemas.microsoft.com/office/drawing/2017/decorative" val="1"/>
+                </a:ext>
+              </a:extLst>
+            </p:cNvPr>
+            <p:cNvSpPr/>
+            <p:nvPr>
+              <p:extLst>
+                <p:ext uri="{386F3935-93C4-4BCD-93E2-E3B085C9AB24}">
+                  <p16:designElem xmlns:p16="http://schemas.microsoft.com/office/powerpoint/2015/main" val="1"/>
+                </p:ext>
+              </p:extLst>
+            </p:nvPr>
+          </p:nvSpPr>
+          <p:spPr>
+            <a:xfrm>
+              <a:off x="10938999" y="-8467"/>
+              <a:ext cx="1249825" cy="6866467"/>
+            </a:xfrm>
+            <a:custGeom>
+              <a:avLst/>
+              <a:gdLst/>
+              <a:ahLst/>
+              <a:cxnLst/>
+              <a:rect l="l" t="t" r="r" b="b"/>
+              <a:pathLst>
+                <a:path w="1249825" h="6858000">
+                  <a:moveTo>
+                    <a:pt x="0" y="0"/>
+                  </a:moveTo>
+                  <a:lnTo>
+                    <a:pt x="1249825" y="0"/>
+                  </a:lnTo>
+                  <a:lnTo>
+                    <a:pt x="1249825" y="6858000"/>
+                  </a:lnTo>
+                  <a:lnTo>
+                    <a:pt x="1109382" y="6858000"/>
+                  </a:lnTo>
+                  <a:lnTo>
+                    <a:pt x="0" y="0"/>
+                  </a:lnTo>
+                  <a:close/>
+                </a:path>
+              </a:pathLst>
+            </a:custGeom>
+            <a:solidFill>
+              <a:schemeClr val="accent1">
+                <a:alpha val="65000"/>
+              </a:schemeClr>
+            </a:solidFill>
+            <a:ln>
+              <a:noFill/>
+            </a:ln>
+            <a:effectLst/>
+          </p:spPr>
+          <p:style>
+            <a:lnRef idx="1">
+              <a:schemeClr val="accent1"/>
+            </a:lnRef>
+            <a:fillRef idx="3">
+              <a:schemeClr val="accent1"/>
+            </a:fillRef>
+            <a:effectRef idx="2">
+              <a:schemeClr val="accent1"/>
+            </a:effectRef>
+            <a:fontRef idx="minor">
+              <a:schemeClr val="lt1"/>
+            </a:fontRef>
+          </p:style>
+          <p:txBody>
+            <a:bodyPr/>
+            <a:lstStyle/>
+            <a:p>
+              <a:endParaRPr lang="fr-FR"/>
+            </a:p>
+          </p:txBody>
+        </p:sp>
+        <p:sp>
+          <p:nvSpPr>
+            <p:cNvPr id="32" name="Isosceles Triangle 31">
+              <a:extLst>
+                <a:ext uri="{FF2B5EF4-FFF2-40B4-BE49-F238E27FC236}">
+                  <a16:creationId xmlns:a16="http://schemas.microsoft.com/office/drawing/2014/main" id="{3CA434EC-618C-4787-86BA-1BF47478EEAC}"/>
+                </a:ext>
+                <a:ext uri="{C183D7F6-B498-43B3-948B-1728B52AA6E4}">
+                  <adec:decorative xmlns:adec="http://schemas.microsoft.com/office/drawing/2017/decorative" val="1"/>
+                </a:ext>
+              </a:extLst>
+            </p:cNvPr>
+            <p:cNvSpPr/>
+            <p:nvPr>
+              <p:extLst>
+                <p:ext uri="{386F3935-93C4-4BCD-93E2-E3B085C9AB24}">
+                  <p16:designElem xmlns:p16="http://schemas.microsoft.com/office/powerpoint/2015/main" val="1"/>
+                </p:ext>
+              </p:extLst>
+            </p:nvPr>
+          </p:nvSpPr>
+          <p:spPr>
+            <a:xfrm>
+              <a:off x="10371666" y="3589867"/>
+              <a:ext cx="1817159" cy="3268133"/>
+            </a:xfrm>
+            <a:prstGeom prst="triangle">
+              <a:avLst>
+                <a:gd name="adj" fmla="val 100000"/>
+              </a:avLst>
+            </a:prstGeom>
+            <a:solidFill>
+              <a:schemeClr val="accent1">
+                <a:alpha val="80000"/>
+              </a:schemeClr>
+            </a:solidFill>
+            <a:ln>
+              <a:noFill/>
+            </a:ln>
+            <a:effectLst/>
+          </p:spPr>
+          <p:style>
+            <a:lnRef idx="1">
+              <a:schemeClr val="accent1"/>
+            </a:lnRef>
+            <a:fillRef idx="3">
+              <a:schemeClr val="accent1"/>
+            </a:fillRef>
+            <a:effectRef idx="2">
+              <a:schemeClr val="accent1"/>
+            </a:effectRef>
+            <a:fontRef idx="minor">
+              <a:schemeClr val="lt1"/>
+            </a:fontRef>
+          </p:style>
+          <p:txBody>
+            <a:bodyPr/>
+            <a:lstStyle/>
+            <a:p>
+              <a:endParaRPr lang="fr-FR"/>
+            </a:p>
+          </p:txBody>
+        </p:sp>
+        <p:sp>
+          <p:nvSpPr>
+            <p:cNvPr id="33" name="Isosceles Triangle 32">
+              <a:extLst>
+                <a:ext uri="{FF2B5EF4-FFF2-40B4-BE49-F238E27FC236}">
+                  <a16:creationId xmlns:a16="http://schemas.microsoft.com/office/drawing/2014/main" id="{97378863-CDB3-4B0F-A65C-98A1252DD06F}"/>
+                </a:ext>
+                <a:ext uri="{C183D7F6-B498-43B3-948B-1728B52AA6E4}">
+                  <adec:decorative xmlns:adec="http://schemas.microsoft.com/office/drawing/2017/decorative" val="1"/>
+                </a:ext>
+              </a:extLst>
+            </p:cNvPr>
+            <p:cNvSpPr/>
+            <p:nvPr>
+              <p:extLst>
+                <p:ext uri="{386F3935-93C4-4BCD-93E2-E3B085C9AB24}">
+                  <p16:designElem xmlns:p16="http://schemas.microsoft.com/office/powerpoint/2015/main" val="1"/>
+                </p:ext>
+              </p:extLst>
+            </p:nvPr>
+          </p:nvSpPr>
+          <p:spPr>
+            <a:xfrm rot="10800000">
+              <a:off x="0" y="0"/>
+              <a:ext cx="842596" cy="5666154"/>
+            </a:xfrm>
+            <a:prstGeom prst="triangle">
+              <a:avLst>
+                <a:gd name="adj" fmla="val 100000"/>
+              </a:avLst>
+            </a:prstGeom>
+            <a:solidFill>
+              <a:schemeClr val="accent1">
+                <a:alpha val="85000"/>
+              </a:schemeClr>
+            </a:solidFill>
+            <a:ln>
+              <a:noFill/>
+            </a:ln>
+            <a:effectLst/>
+          </p:spPr>
+          <p:style>
+            <a:lnRef idx="1">
+              <a:schemeClr val="accent1"/>
+            </a:lnRef>
+            <a:fillRef idx="3">
+              <a:schemeClr val="accent1"/>
+            </a:fillRef>
+            <a:effectRef idx="2">
+              <a:schemeClr val="accent1"/>
+            </a:effectRef>
+            <a:fontRef idx="minor">
+              <a:schemeClr val="lt1"/>
+            </a:fontRef>
+          </p:style>
+          <p:txBody>
+            <a:bodyPr/>
+            <a:lstStyle/>
+            <a:p>
+              <a:endParaRPr lang="fr-FR"/>
+            </a:p>
+          </p:txBody>
+        </p:sp>
+      </p:grpSp>
+      <p:sp>
+        <p:nvSpPr>
+          <p:cNvPr id="5" name="Espace réservé du texte 4">
+            <a:extLst>
+              <a:ext uri="{FF2B5EF4-FFF2-40B4-BE49-F238E27FC236}">
+                <a16:creationId xmlns:a16="http://schemas.microsoft.com/office/drawing/2014/main" id="{8F5EC002-DF5E-F136-BC18-D8A279380AAB}"/>
+              </a:ext>
+            </a:extLst>
+          </p:cNvPr>
+          <p:cNvSpPr>
+            <a:spLocks noGrp="1"/>
+          </p:cNvSpPr>
+          <p:nvPr>
+            <p:ph type="body" idx="1"/>
+          </p:nvPr>
+        </p:nvSpPr>
+        <p:spPr>
+          <a:xfrm>
+            <a:off x="1507067" y="4050833"/>
+            <a:ext cx="7766936" cy="1096899"/>
+          </a:xfrm>
+        </p:spPr>
+        <p:txBody>
+          <a:bodyPr vert="horz" lIns="91440" tIns="45720" rIns="91440" bIns="45720" rtlCol="0" anchor="t">
+            <a:normAutofit/>
+          </a:bodyPr>
+          <a:lstStyle/>
+          <a:p>
+            <a:pPr algn="r"/>
+            <a:endParaRPr lang="en-US" sz="1800">
+              <a:solidFill>
+                <a:srgbClr val="FFFFFF"/>
+              </a:solidFill>
+            </a:endParaRPr>
+          </a:p>
+        </p:txBody>
+      </p:sp>
+      <p:sp>
+        <p:nvSpPr>
+          <p:cNvPr id="4" name="Titre 3">
+            <a:extLst>
+              <a:ext uri="{FF2B5EF4-FFF2-40B4-BE49-F238E27FC236}">
+                <a16:creationId xmlns:a16="http://schemas.microsoft.com/office/drawing/2014/main" id="{355F7491-9479-2019-9A16-EE6C02750FCA}"/>
+              </a:ext>
+            </a:extLst>
+          </p:cNvPr>
+          <p:cNvSpPr>
+            <a:spLocks noGrp="1"/>
+          </p:cNvSpPr>
+          <p:nvPr>
+            <p:ph type="title"/>
+          </p:nvPr>
+        </p:nvSpPr>
+        <p:spPr>
+          <a:xfrm>
+            <a:off x="1507067" y="1267012"/>
+            <a:ext cx="7766936" cy="2783824"/>
+          </a:xfrm>
+        </p:spPr>
+        <p:txBody>
+          <a:bodyPr vert="horz" lIns="91440" tIns="45720" rIns="91440" bIns="45720" rtlCol="0" anchor="b">
+            <a:normAutofit/>
+          </a:bodyPr>
+          <a:lstStyle/>
+          <a:p>
+            <a:pPr algn="r"/>
+            <a:r>
+              <a:rPr lang="en-US" sz="5400">
+                <a:solidFill>
+                  <a:srgbClr val="FFFFFF"/>
+                </a:solidFill>
+              </a:rPr>
+              <a:t>Focus on Opensearch</a:t>
+            </a:r>
+          </a:p>
+        </p:txBody>
+      </p:sp>
+    </p:spTree>
+    <p:extLst>
+      <p:ext uri="{BB962C8B-B14F-4D97-AF65-F5344CB8AC3E}">
+        <p14:creationId xmlns:p14="http://schemas.microsoft.com/office/powerpoint/2010/main" val="2423647542"/>
+      </p:ext>
+    </p:extLst>
+  </p:cSld>
+  <p:clrMapOvr>
+    <a:masterClrMapping/>
+  </p:clrMapOvr>
+</p:sld>
+</file>
+
+<file path=ppt/slides/slide18.xml><?xml version="1.0" encoding="utf-8"?>
+<p:sld xmlns:a="http://schemas.openxmlformats.org/drawingml/2006/main" xmlns:r="http://schemas.openxmlformats.org/officeDocument/2006/relationships" xmlns:p="http://schemas.openxmlformats.org/presentationml/2006/main">
+  <p:cSld>
     <p:spTree>
       <p:nvGrpSpPr>
         <p:cNvPr id="1" name=""/>
@@ -36005,7 +37599,7 @@
 </p:sld>
 </file>
 
-<file path=ppt/slides/slide18.xml><?xml version="1.0" encoding="utf-8"?>
+<file path=ppt/slides/slide19.xml><?xml version="1.0" encoding="utf-8"?>
 <p:sld xmlns:a="http://schemas.openxmlformats.org/drawingml/2006/main" xmlns:r="http://schemas.openxmlformats.org/officeDocument/2006/relationships" xmlns:p="http://schemas.openxmlformats.org/presentationml/2006/main">
   <p:cSld>
     <p:bg>
@@ -36914,288 +38508,6 @@
 </p:sld>
 </file>
 
-<file path=ppt/slides/slide19.xml><?xml version="1.0" encoding="utf-8"?>
-<p:sld xmlns:a="http://schemas.openxmlformats.org/drawingml/2006/main" xmlns:r="http://schemas.openxmlformats.org/officeDocument/2006/relationships" xmlns:p="http://schemas.openxmlformats.org/presentationml/2006/main">
-  <p:cSld>
-    <p:spTree>
-      <p:nvGrpSpPr>
-        <p:cNvPr id="1" name=""/>
-        <p:cNvGrpSpPr/>
-        <p:nvPr/>
-      </p:nvGrpSpPr>
-      <p:grpSpPr>
-        <a:xfrm>
-          <a:off x="0" y="0"/>
-          <a:ext cx="0" cy="0"/>
-          <a:chOff x="0" y="0"/>
-          <a:chExt cx="0" cy="0"/>
-        </a:xfrm>
-      </p:grpSpPr>
-      <p:sp>
-        <p:nvSpPr>
-          <p:cNvPr id="2" name="Titre 1">
-            <a:extLst>
-              <a:ext uri="{FF2B5EF4-FFF2-40B4-BE49-F238E27FC236}">
-                <a16:creationId xmlns:a16="http://schemas.microsoft.com/office/drawing/2014/main" id="{954F327C-A19E-8107-230D-8E410EE1ACB2}"/>
-              </a:ext>
-            </a:extLst>
-          </p:cNvPr>
-          <p:cNvSpPr>
-            <a:spLocks noGrp="1"/>
-          </p:cNvSpPr>
-          <p:nvPr>
-            <p:ph type="title"/>
-          </p:nvPr>
-        </p:nvSpPr>
-        <p:spPr/>
-        <p:txBody>
-          <a:bodyPr/>
-          <a:lstStyle/>
-          <a:p>
-            <a:r>
-              <a:rPr lang="fr-FR" dirty="0" err="1"/>
-              <a:t>OpenSearch</a:t>
-            </a:r>
-            <a:r>
-              <a:rPr lang="fr-FR" dirty="0"/>
-              <a:t> Roadmap</a:t>
-            </a:r>
-          </a:p>
-        </p:txBody>
-      </p:sp>
-      <p:sp>
-        <p:nvSpPr>
-          <p:cNvPr id="3" name="Espace réservé du contenu 2">
-            <a:extLst>
-              <a:ext uri="{FF2B5EF4-FFF2-40B4-BE49-F238E27FC236}">
-                <a16:creationId xmlns:a16="http://schemas.microsoft.com/office/drawing/2014/main" id="{2F5225CF-8888-E9B2-A26F-EBBD5CFF98B2}"/>
-              </a:ext>
-            </a:extLst>
-          </p:cNvPr>
-          <p:cNvSpPr>
-            <a:spLocks noGrp="1"/>
-          </p:cNvSpPr>
-          <p:nvPr>
-            <p:ph idx="1"/>
-          </p:nvPr>
-        </p:nvSpPr>
-        <p:spPr/>
-        <p:txBody>
-          <a:bodyPr/>
-          <a:lstStyle/>
-          <a:p>
-            <a:r>
-              <a:rPr lang="fr-FR" dirty="0" err="1"/>
-              <a:t>Scalability</a:t>
-            </a:r>
-            <a:r>
-              <a:rPr lang="fr-FR" dirty="0"/>
-              <a:t> </a:t>
-            </a:r>
-            <a:r>
-              <a:rPr lang="fr-FR" dirty="0" err="1"/>
-              <a:t>improvements</a:t>
-            </a:r>
-            <a:r>
-              <a:rPr lang="fr-FR" dirty="0"/>
-              <a:t>: More efficient </a:t>
-            </a:r>
-            <a:r>
-              <a:rPr lang="fr-FR" dirty="0" err="1"/>
-              <a:t>indexing</a:t>
-            </a:r>
-            <a:r>
-              <a:rPr lang="fr-FR" dirty="0"/>
-              <a:t> and </a:t>
-            </a:r>
-            <a:r>
-              <a:rPr lang="fr-FR" dirty="0" err="1"/>
-              <a:t>search</a:t>
-            </a:r>
-            <a:r>
-              <a:rPr lang="fr-FR" dirty="0"/>
-              <a:t> performance</a:t>
-            </a:r>
-          </a:p>
-          <a:p>
-            <a:r>
-              <a:rPr lang="fr-FR" dirty="0" err="1"/>
-              <a:t>Better</a:t>
-            </a:r>
-            <a:r>
-              <a:rPr lang="fr-FR" dirty="0"/>
-              <a:t> </a:t>
-            </a:r>
-            <a:r>
-              <a:rPr lang="fr-FR" dirty="0" err="1"/>
-              <a:t>observability</a:t>
-            </a:r>
-            <a:r>
-              <a:rPr lang="fr-FR" dirty="0"/>
-              <a:t>: Native support for logs, traces, and </a:t>
-            </a:r>
-            <a:r>
-              <a:rPr lang="fr-FR" dirty="0" err="1"/>
-              <a:t>metrics</a:t>
-            </a:r>
-            <a:endParaRPr lang="fr-FR" dirty="0"/>
-          </a:p>
-          <a:p>
-            <a:r>
-              <a:rPr lang="fr-FR" dirty="0"/>
-              <a:t>Security </a:t>
-            </a:r>
-            <a:r>
-              <a:rPr lang="fr-FR" dirty="0" err="1"/>
-              <a:t>enhancements</a:t>
-            </a:r>
-            <a:r>
-              <a:rPr lang="fr-FR" dirty="0"/>
-              <a:t>: </a:t>
-            </a:r>
-            <a:r>
-              <a:rPr lang="fr-FR" dirty="0" err="1"/>
-              <a:t>Role-based</a:t>
-            </a:r>
-            <a:r>
-              <a:rPr lang="fr-FR" dirty="0"/>
-              <a:t> </a:t>
-            </a:r>
-            <a:r>
-              <a:rPr lang="fr-FR" dirty="0" err="1"/>
-              <a:t>access</a:t>
-            </a:r>
-            <a:r>
-              <a:rPr lang="fr-FR" dirty="0"/>
-              <a:t> control, </a:t>
-            </a:r>
-            <a:r>
-              <a:rPr lang="fr-FR" dirty="0" err="1"/>
-              <a:t>authentication</a:t>
-            </a:r>
-            <a:r>
-              <a:rPr lang="fr-FR" dirty="0"/>
-              <a:t> </a:t>
-            </a:r>
-            <a:r>
-              <a:rPr lang="fr-FR" dirty="0" err="1"/>
-              <a:t>integrations</a:t>
-            </a:r>
-            <a:endParaRPr lang="fr-FR" dirty="0"/>
-          </a:p>
-          <a:p>
-            <a:r>
-              <a:rPr lang="fr-FR" dirty="0"/>
-              <a:t>Machine Learning &amp; AI: </a:t>
-            </a:r>
-            <a:r>
-              <a:rPr lang="fr-FR" dirty="0" err="1"/>
-              <a:t>Expanded</a:t>
-            </a:r>
-            <a:r>
-              <a:rPr lang="fr-FR" dirty="0"/>
-              <a:t> ML </a:t>
-            </a:r>
-            <a:r>
-              <a:rPr lang="fr-FR" dirty="0" err="1"/>
-              <a:t>capabilities</a:t>
-            </a:r>
-            <a:r>
-              <a:rPr lang="fr-FR" dirty="0"/>
-              <a:t> for </a:t>
-            </a:r>
-            <a:r>
-              <a:rPr lang="fr-FR" dirty="0" err="1"/>
-              <a:t>anomaly</a:t>
-            </a:r>
-            <a:r>
-              <a:rPr lang="fr-FR" dirty="0"/>
-              <a:t> </a:t>
-            </a:r>
-            <a:r>
-              <a:rPr lang="fr-FR" dirty="0" err="1"/>
-              <a:t>detection</a:t>
-            </a:r>
-            <a:endParaRPr lang="fr-FR" dirty="0"/>
-          </a:p>
-          <a:p>
-            <a:r>
-              <a:rPr lang="fr-FR" dirty="0" err="1"/>
-              <a:t>Kibana</a:t>
-            </a:r>
-            <a:r>
-              <a:rPr lang="fr-FR" dirty="0"/>
-              <a:t> replacement: </a:t>
-            </a:r>
-            <a:r>
-              <a:rPr lang="fr-FR" dirty="0" err="1"/>
-              <a:t>OpenSearch</a:t>
-            </a:r>
-            <a:r>
-              <a:rPr lang="fr-FR" dirty="0"/>
-              <a:t> </a:t>
-            </a:r>
-            <a:r>
-              <a:rPr lang="fr-FR" dirty="0" err="1"/>
-              <a:t>Dashboards</a:t>
-            </a:r>
-            <a:r>
-              <a:rPr lang="fr-FR" dirty="0"/>
-              <a:t> </a:t>
-            </a:r>
-            <a:r>
-              <a:rPr lang="fr-FR" dirty="0" err="1"/>
-              <a:t>evolving</a:t>
-            </a:r>
-            <a:r>
-              <a:rPr lang="fr-FR" dirty="0"/>
-              <a:t> </a:t>
-            </a:r>
-            <a:r>
-              <a:rPr lang="fr-FR" dirty="0" err="1"/>
-              <a:t>with</a:t>
-            </a:r>
-            <a:r>
-              <a:rPr lang="fr-FR" dirty="0"/>
-              <a:t> </a:t>
-            </a:r>
-            <a:r>
-              <a:rPr lang="fr-FR" dirty="0" err="1"/>
-              <a:t>better</a:t>
-            </a:r>
-            <a:r>
-              <a:rPr lang="fr-FR" dirty="0"/>
-              <a:t> </a:t>
-            </a:r>
-            <a:r>
-              <a:rPr lang="fr-FR" dirty="0" err="1"/>
-              <a:t>visualization</a:t>
-            </a:r>
-            <a:r>
-              <a:rPr lang="fr-FR" dirty="0"/>
-              <a:t> </a:t>
-            </a:r>
-            <a:r>
-              <a:rPr lang="fr-FR" dirty="0" err="1"/>
-              <a:t>tools</a:t>
-            </a:r>
-            <a:endParaRPr lang="fr-FR" dirty="0"/>
-          </a:p>
-        </p:txBody>
-      </p:sp>
-    </p:spTree>
-    <p:extLst>
-      <p:ext uri="{BB962C8B-B14F-4D97-AF65-F5344CB8AC3E}">
-        <p14:creationId xmlns:p14="http://schemas.microsoft.com/office/powerpoint/2010/main" val="1778371063"/>
-      </p:ext>
-    </p:extLst>
-  </p:cSld>
-  <p:clrMapOvr>
-    <a:masterClrMapping/>
-  </p:clrMapOvr>
-</p:sld>
-</file>
-
 <file path=ppt/slides/slide2.xml><?xml version="1.0" encoding="utf-8"?>
 <p:sld xmlns:a="http://schemas.openxmlformats.org/drawingml/2006/main" xmlns:r="http://schemas.openxmlformats.org/officeDocument/2006/relationships" xmlns:p="http://schemas.openxmlformats.org/presentationml/2006/main">
   <p:cSld>
@@ -37351,6 +38663,288 @@
 </file>
 
 <file path=ppt/slides/slide20.xml><?xml version="1.0" encoding="utf-8"?>
+<p:sld xmlns:a="http://schemas.openxmlformats.org/drawingml/2006/main" xmlns:r="http://schemas.openxmlformats.org/officeDocument/2006/relationships" xmlns:p="http://schemas.openxmlformats.org/presentationml/2006/main">
+  <p:cSld>
+    <p:spTree>
+      <p:nvGrpSpPr>
+        <p:cNvPr id="1" name=""/>
+        <p:cNvGrpSpPr/>
+        <p:nvPr/>
+      </p:nvGrpSpPr>
+      <p:grpSpPr>
+        <a:xfrm>
+          <a:off x="0" y="0"/>
+          <a:ext cx="0" cy="0"/>
+          <a:chOff x="0" y="0"/>
+          <a:chExt cx="0" cy="0"/>
+        </a:xfrm>
+      </p:grpSpPr>
+      <p:sp>
+        <p:nvSpPr>
+          <p:cNvPr id="2" name="Titre 1">
+            <a:extLst>
+              <a:ext uri="{FF2B5EF4-FFF2-40B4-BE49-F238E27FC236}">
+                <a16:creationId xmlns:a16="http://schemas.microsoft.com/office/drawing/2014/main" id="{954F327C-A19E-8107-230D-8E410EE1ACB2}"/>
+              </a:ext>
+            </a:extLst>
+          </p:cNvPr>
+          <p:cNvSpPr>
+            <a:spLocks noGrp="1"/>
+          </p:cNvSpPr>
+          <p:nvPr>
+            <p:ph type="title"/>
+          </p:nvPr>
+        </p:nvSpPr>
+        <p:spPr/>
+        <p:txBody>
+          <a:bodyPr/>
+          <a:lstStyle/>
+          <a:p>
+            <a:r>
+              <a:rPr lang="fr-FR" dirty="0" err="1"/>
+              <a:t>OpenSearch</a:t>
+            </a:r>
+            <a:r>
+              <a:rPr lang="fr-FR" dirty="0"/>
+              <a:t> Roadmap</a:t>
+            </a:r>
+          </a:p>
+        </p:txBody>
+      </p:sp>
+      <p:sp>
+        <p:nvSpPr>
+          <p:cNvPr id="3" name="Espace réservé du contenu 2">
+            <a:extLst>
+              <a:ext uri="{FF2B5EF4-FFF2-40B4-BE49-F238E27FC236}">
+                <a16:creationId xmlns:a16="http://schemas.microsoft.com/office/drawing/2014/main" id="{2F5225CF-8888-E9B2-A26F-EBBD5CFF98B2}"/>
+              </a:ext>
+            </a:extLst>
+          </p:cNvPr>
+          <p:cNvSpPr>
+            <a:spLocks noGrp="1"/>
+          </p:cNvSpPr>
+          <p:nvPr>
+            <p:ph idx="1"/>
+          </p:nvPr>
+        </p:nvSpPr>
+        <p:spPr/>
+        <p:txBody>
+          <a:bodyPr/>
+          <a:lstStyle/>
+          <a:p>
+            <a:r>
+              <a:rPr lang="fr-FR" dirty="0" err="1"/>
+              <a:t>Scalability</a:t>
+            </a:r>
+            <a:r>
+              <a:rPr lang="fr-FR" dirty="0"/>
+              <a:t> </a:t>
+            </a:r>
+            <a:r>
+              <a:rPr lang="fr-FR" dirty="0" err="1"/>
+              <a:t>improvements</a:t>
+            </a:r>
+            <a:r>
+              <a:rPr lang="fr-FR" dirty="0"/>
+              <a:t>: More efficient </a:t>
+            </a:r>
+            <a:r>
+              <a:rPr lang="fr-FR" dirty="0" err="1"/>
+              <a:t>indexing</a:t>
+            </a:r>
+            <a:r>
+              <a:rPr lang="fr-FR" dirty="0"/>
+              <a:t> and </a:t>
+            </a:r>
+            <a:r>
+              <a:rPr lang="fr-FR" dirty="0" err="1"/>
+              <a:t>search</a:t>
+            </a:r>
+            <a:r>
+              <a:rPr lang="fr-FR" dirty="0"/>
+              <a:t> performance</a:t>
+            </a:r>
+          </a:p>
+          <a:p>
+            <a:r>
+              <a:rPr lang="fr-FR" dirty="0" err="1"/>
+              <a:t>Better</a:t>
+            </a:r>
+            <a:r>
+              <a:rPr lang="fr-FR" dirty="0"/>
+              <a:t> </a:t>
+            </a:r>
+            <a:r>
+              <a:rPr lang="fr-FR" dirty="0" err="1"/>
+              <a:t>observability</a:t>
+            </a:r>
+            <a:r>
+              <a:rPr lang="fr-FR" dirty="0"/>
+              <a:t>: Native support for logs, traces, and </a:t>
+            </a:r>
+            <a:r>
+              <a:rPr lang="fr-FR" dirty="0" err="1"/>
+              <a:t>metrics</a:t>
+            </a:r>
+            <a:endParaRPr lang="fr-FR" dirty="0"/>
+          </a:p>
+          <a:p>
+            <a:r>
+              <a:rPr lang="fr-FR" dirty="0"/>
+              <a:t>Security </a:t>
+            </a:r>
+            <a:r>
+              <a:rPr lang="fr-FR" dirty="0" err="1"/>
+              <a:t>enhancements</a:t>
+            </a:r>
+            <a:r>
+              <a:rPr lang="fr-FR" dirty="0"/>
+              <a:t>: </a:t>
+            </a:r>
+            <a:r>
+              <a:rPr lang="fr-FR" dirty="0" err="1"/>
+              <a:t>Role-based</a:t>
+            </a:r>
+            <a:r>
+              <a:rPr lang="fr-FR" dirty="0"/>
+              <a:t> </a:t>
+            </a:r>
+            <a:r>
+              <a:rPr lang="fr-FR" dirty="0" err="1"/>
+              <a:t>access</a:t>
+            </a:r>
+            <a:r>
+              <a:rPr lang="fr-FR" dirty="0"/>
+              <a:t> control, </a:t>
+            </a:r>
+            <a:r>
+              <a:rPr lang="fr-FR" dirty="0" err="1"/>
+              <a:t>authentication</a:t>
+            </a:r>
+            <a:r>
+              <a:rPr lang="fr-FR" dirty="0"/>
+              <a:t> </a:t>
+            </a:r>
+            <a:r>
+              <a:rPr lang="fr-FR" dirty="0" err="1"/>
+              <a:t>integrations</a:t>
+            </a:r>
+            <a:endParaRPr lang="fr-FR" dirty="0"/>
+          </a:p>
+          <a:p>
+            <a:r>
+              <a:rPr lang="fr-FR" dirty="0"/>
+              <a:t>Machine Learning &amp; AI: </a:t>
+            </a:r>
+            <a:r>
+              <a:rPr lang="fr-FR" dirty="0" err="1"/>
+              <a:t>Expanded</a:t>
+            </a:r>
+            <a:r>
+              <a:rPr lang="fr-FR" dirty="0"/>
+              <a:t> ML </a:t>
+            </a:r>
+            <a:r>
+              <a:rPr lang="fr-FR" dirty="0" err="1"/>
+              <a:t>capabilities</a:t>
+            </a:r>
+            <a:r>
+              <a:rPr lang="fr-FR" dirty="0"/>
+              <a:t> for </a:t>
+            </a:r>
+            <a:r>
+              <a:rPr lang="fr-FR" dirty="0" err="1"/>
+              <a:t>anomaly</a:t>
+            </a:r>
+            <a:r>
+              <a:rPr lang="fr-FR" dirty="0"/>
+              <a:t> </a:t>
+            </a:r>
+            <a:r>
+              <a:rPr lang="fr-FR" dirty="0" err="1"/>
+              <a:t>detection</a:t>
+            </a:r>
+            <a:endParaRPr lang="fr-FR" dirty="0"/>
+          </a:p>
+          <a:p>
+            <a:r>
+              <a:rPr lang="fr-FR" dirty="0" err="1"/>
+              <a:t>Kibana</a:t>
+            </a:r>
+            <a:r>
+              <a:rPr lang="fr-FR" dirty="0"/>
+              <a:t> replacement: </a:t>
+            </a:r>
+            <a:r>
+              <a:rPr lang="fr-FR" dirty="0" err="1"/>
+              <a:t>OpenSearch</a:t>
+            </a:r>
+            <a:r>
+              <a:rPr lang="fr-FR" dirty="0"/>
+              <a:t> </a:t>
+            </a:r>
+            <a:r>
+              <a:rPr lang="fr-FR" dirty="0" err="1"/>
+              <a:t>Dashboards</a:t>
+            </a:r>
+            <a:r>
+              <a:rPr lang="fr-FR" dirty="0"/>
+              <a:t> </a:t>
+            </a:r>
+            <a:r>
+              <a:rPr lang="fr-FR" dirty="0" err="1"/>
+              <a:t>evolving</a:t>
+            </a:r>
+            <a:r>
+              <a:rPr lang="fr-FR" dirty="0"/>
+              <a:t> </a:t>
+            </a:r>
+            <a:r>
+              <a:rPr lang="fr-FR" dirty="0" err="1"/>
+              <a:t>with</a:t>
+            </a:r>
+            <a:r>
+              <a:rPr lang="fr-FR" dirty="0"/>
+              <a:t> </a:t>
+            </a:r>
+            <a:r>
+              <a:rPr lang="fr-FR" dirty="0" err="1"/>
+              <a:t>better</a:t>
+            </a:r>
+            <a:r>
+              <a:rPr lang="fr-FR" dirty="0"/>
+              <a:t> </a:t>
+            </a:r>
+            <a:r>
+              <a:rPr lang="fr-FR" dirty="0" err="1"/>
+              <a:t>visualization</a:t>
+            </a:r>
+            <a:r>
+              <a:rPr lang="fr-FR" dirty="0"/>
+              <a:t> </a:t>
+            </a:r>
+            <a:r>
+              <a:rPr lang="fr-FR" dirty="0" err="1"/>
+              <a:t>tools</a:t>
+            </a:r>
+            <a:endParaRPr lang="fr-FR" dirty="0"/>
+          </a:p>
+        </p:txBody>
+      </p:sp>
+    </p:spTree>
+    <p:extLst>
+      <p:ext uri="{BB962C8B-B14F-4D97-AF65-F5344CB8AC3E}">
+        <p14:creationId xmlns:p14="http://schemas.microsoft.com/office/powerpoint/2010/main" val="1778371063"/>
+      </p:ext>
+    </p:extLst>
+  </p:cSld>
+  <p:clrMapOvr>
+    <a:masterClrMapping/>
+  </p:clrMapOvr>
+</p:sld>
+</file>
+
+<file path=ppt/slides/slide21.xml><?xml version="1.0" encoding="utf-8"?>
 <p:sld xmlns:a="http://schemas.openxmlformats.org/drawingml/2006/main" xmlns:r="http://schemas.openxmlformats.org/officeDocument/2006/relationships" xmlns:p="http://schemas.openxmlformats.org/presentationml/2006/main">
   <p:cSld>
     <p:spTree>
@@ -38073,7 +39667,7 @@
 </p:sld>
 </file>
 
-<file path=ppt/slides/slide21.xml><?xml version="1.0" encoding="utf-8"?>
+<file path=ppt/slides/slide22.xml><?xml version="1.0" encoding="utf-8"?>
 <p:sld xmlns:a="http://schemas.openxmlformats.org/drawingml/2006/main" xmlns:r="http://schemas.openxmlformats.org/officeDocument/2006/relationships" xmlns:p="http://schemas.openxmlformats.org/presentationml/2006/main">
   <p:cSld>
     <p:bg>
@@ -39604,7 +41198,7 @@
           <a:lstStyle/>
           <a:p>
             <a:pPr algn="r"/>
-            <a:endParaRPr lang="en-US" sz="1800">
+            <a:endParaRPr lang="en-US" sz="1800" dirty="0">
               <a:solidFill>
                 <a:srgbClr val="FFFFFF"/>
               </a:solidFill>
@@ -39642,12 +41236,20 @@
           <a:p>
             <a:pPr algn="r"/>
             <a:r>
-              <a:rPr lang="en-US" sz="5400">
+              <a:rPr lang="en-US" sz="5400" dirty="0" err="1">
                 <a:solidFill>
                   <a:srgbClr val="FFFFFF"/>
                 </a:solidFill>
               </a:rPr>
-              <a:t>Focus on Opensearch</a:t>
+              <a:t>Opensearch</a:t>
+            </a:r>
+            <a:r>
+              <a:rPr lang="en-US" sz="5400" dirty="0">
+                <a:solidFill>
+                  <a:srgbClr val="FFFFFF"/>
+                </a:solidFill>
+              </a:rPr>
+              <a:t> Platform</a:t>
             </a:r>
           </a:p>
         </p:txBody>
@@ -39655,7 +41257,7 @@
     </p:spTree>
     <p:extLst>
       <p:ext uri="{BB962C8B-B14F-4D97-AF65-F5344CB8AC3E}">
-        <p14:creationId xmlns:p14="http://schemas.microsoft.com/office/powerpoint/2010/main" val="2423647542"/>
+        <p14:creationId xmlns:p14="http://schemas.microsoft.com/office/powerpoint/2010/main" val="2409764618"/>
       </p:ext>
     </p:extLst>
   </p:cSld>
@@ -39665,7 +41267,109 @@
 </p:sld>
 </file>
 
-<file path=ppt/slides/slide22.xml><?xml version="1.0" encoding="utf-8"?>
+<file path=ppt/slides/slide23.xml><?xml version="1.0" encoding="utf-8"?>
+<p:sld xmlns:a="http://schemas.openxmlformats.org/drawingml/2006/main" xmlns:r="http://schemas.openxmlformats.org/officeDocument/2006/relationships" xmlns:p="http://schemas.openxmlformats.org/presentationml/2006/main">
+  <p:cSld>
+    <p:spTree>
+      <p:nvGrpSpPr>
+        <p:cNvPr id="1" name=""/>
+        <p:cNvGrpSpPr/>
+        <p:nvPr/>
+      </p:nvGrpSpPr>
+      <p:grpSpPr>
+        <a:xfrm>
+          <a:off x="0" y="0"/>
+          <a:ext cx="0" cy="0"/>
+          <a:chOff x="0" y="0"/>
+          <a:chExt cx="0" cy="0"/>
+        </a:xfrm>
+      </p:grpSpPr>
+      <p:sp>
+        <p:nvSpPr>
+          <p:cNvPr id="4" name="Titre 3">
+            <a:extLst>
+              <a:ext uri="{FF2B5EF4-FFF2-40B4-BE49-F238E27FC236}">
+                <a16:creationId xmlns:a16="http://schemas.microsoft.com/office/drawing/2014/main" id="{A41827A1-1762-8EC2-C740-437238212A7D}"/>
+              </a:ext>
+            </a:extLst>
+          </p:cNvPr>
+          <p:cNvSpPr>
+            <a:spLocks noGrp="1"/>
+          </p:cNvSpPr>
+          <p:nvPr>
+            <p:ph type="title"/>
+          </p:nvPr>
+        </p:nvSpPr>
+        <p:spPr/>
+        <p:txBody>
+          <a:bodyPr/>
+          <a:lstStyle/>
+          <a:p>
+            <a:r>
+              <a:rPr lang="fr-FR" dirty="0" err="1"/>
+              <a:t>Opensearch</a:t>
+            </a:r>
+            <a:r>
+              <a:rPr lang="fr-FR" dirty="0"/>
+              <a:t> Platform</a:t>
+            </a:r>
+          </a:p>
+        </p:txBody>
+      </p:sp>
+      <p:pic>
+        <p:nvPicPr>
+          <p:cNvPr id="6" name="Image 5">
+            <a:extLst>
+              <a:ext uri="{FF2B5EF4-FFF2-40B4-BE49-F238E27FC236}">
+                <a16:creationId xmlns:a16="http://schemas.microsoft.com/office/drawing/2014/main" id="{9EA02845-876A-69DE-03A4-4B32F0E33656}"/>
+              </a:ext>
+            </a:extLst>
+          </p:cNvPr>
+          <p:cNvPicPr>
+            <a:picLocks noChangeAspect="1"/>
+          </p:cNvPicPr>
+          <p:nvPr/>
+        </p:nvPicPr>
+        <p:blipFill>
+          <a:blip r:embed="rId2">
+            <a:clrChange>
+              <a:clrFrom>
+                <a:srgbClr val="FFFFFF"/>
+              </a:clrFrom>
+              <a:clrTo>
+                <a:srgbClr val="FFFFFF">
+                  <a:alpha val="0"/>
+                </a:srgbClr>
+              </a:clrTo>
+            </a:clrChange>
+          </a:blip>
+          <a:srcRect t="9753"/>
+          <a:stretch/>
+        </p:blipFill>
+        <p:spPr>
+          <a:xfrm>
+            <a:off x="548640" y="2097741"/>
+            <a:ext cx="10145087" cy="3679115"/>
+          </a:xfrm>
+          <a:prstGeom prst="rect">
+            <a:avLst/>
+          </a:prstGeom>
+        </p:spPr>
+      </p:pic>
+    </p:spTree>
+    <p:extLst>
+      <p:ext uri="{BB962C8B-B14F-4D97-AF65-F5344CB8AC3E}">
+        <p14:creationId xmlns:p14="http://schemas.microsoft.com/office/powerpoint/2010/main" val="3191646289"/>
+      </p:ext>
+    </p:extLst>
+  </p:cSld>
+  <p:clrMapOvr>
+    <a:masterClrMapping/>
+  </p:clrMapOvr>
+</p:sld>
+</file>
+
+<file path=ppt/slides/slide24.xml><?xml version="1.0" encoding="utf-8"?>
 <p:sld xmlns:a="http://schemas.openxmlformats.org/drawingml/2006/main" xmlns:r="http://schemas.openxmlformats.org/officeDocument/2006/relationships" xmlns:p="http://schemas.openxmlformats.org/presentationml/2006/main">
   <p:cSld>
     <p:spTree>
@@ -39789,7 +41493,7 @@
             <a:fld id="{00000000-1234-1234-1234-123412341234}" type="slidenum">
               <a:rPr lang="fr-FR"/>
               <a:pPr/>
-              <a:t>22</a:t>
+              <a:t>24</a:t>
             </a:fld>
             <a:endParaRPr lang="fr-FR"/>
           </a:p>
@@ -40170,7 +41874,7 @@
 </p:sld>
 </file>
 
-<file path=ppt/slides/slide23.xml><?xml version="1.0" encoding="utf-8"?>
+<file path=ppt/slides/slide25.xml><?xml version="1.0" encoding="utf-8"?>
 <p:sld xmlns:a="http://schemas.openxmlformats.org/drawingml/2006/main" xmlns:r="http://schemas.openxmlformats.org/officeDocument/2006/relationships" xmlns:p="http://schemas.openxmlformats.org/presentationml/2006/main">
   <p:cSld>
     <p:spTree>
@@ -40984,7 +42688,7 @@
             <a:fld id="{00000000-1234-1234-1234-123412341234}" type="slidenum">
               <a:rPr lang="fr-FR"/>
               <a:pPr/>
-              <a:t>23</a:t>
+              <a:t>25</a:t>
             </a:fld>
             <a:endParaRPr/>
           </a:p>
@@ -41766,7 +43470,7 @@
 </p:sld>
 </file>
 
-<file path=ppt/slides/slide24.xml><?xml version="1.0" encoding="utf-8"?>
+<file path=ppt/slides/slide26.xml><?xml version="1.0" encoding="utf-8"?>
 <p:sld xmlns:a="http://schemas.openxmlformats.org/drawingml/2006/main" xmlns:r="http://schemas.openxmlformats.org/officeDocument/2006/relationships" xmlns:p="http://schemas.openxmlformats.org/presentationml/2006/main">
   <p:cSld>
     <p:spTree>
@@ -41852,7 +43556,7 @@
             <a:fld id="{00000000-1234-1234-1234-123412341234}" type="slidenum">
               <a:rPr lang="fr-FR"/>
               <a:pPr/>
-              <a:t>24</a:t>
+              <a:t>26</a:t>
             </a:fld>
             <a:endParaRPr/>
           </a:p>
@@ -42476,7 +44180,7 @@
 </p:sld>
 </file>
 
-<file path=ppt/slides/slide25.xml><?xml version="1.0" encoding="utf-8"?>
+<file path=ppt/slides/slide27.xml><?xml version="1.0" encoding="utf-8"?>
 <p:sld xmlns:a="http://schemas.openxmlformats.org/drawingml/2006/main" xmlns:r="http://schemas.openxmlformats.org/officeDocument/2006/relationships" xmlns:p="http://schemas.openxmlformats.org/presentationml/2006/main">
   <p:cSld>
     <p:spTree>
@@ -42521,7 +44225,7 @@
             <a:fld id="{00000000-1234-1234-1234-123412341234}" type="slidenum">
               <a:rPr lang="fr-FR"/>
               <a:pPr/>
-              <a:t>25</a:t>
+              <a:t>27</a:t>
             </a:fld>
             <a:endParaRPr/>
           </a:p>
@@ -43399,7 +45103,7 @@
 </p:sld>
 </file>
 
-<file path=ppt/slides/slide26.xml><?xml version="1.0" encoding="utf-8"?>
+<file path=ppt/slides/slide28.xml><?xml version="1.0" encoding="utf-8"?>
 <p:sld xmlns:a="http://schemas.openxmlformats.org/drawingml/2006/main" xmlns:r="http://schemas.openxmlformats.org/officeDocument/2006/relationships" xmlns:p="http://schemas.openxmlformats.org/presentationml/2006/main">
   <p:cSld>
     <p:spTree>
@@ -43444,7 +45148,7 @@
             <a:fld id="{00000000-1234-1234-1234-123412341234}" type="slidenum">
               <a:rPr lang="fr-FR"/>
               <a:pPr/>
-              <a:t>26</a:t>
+              <a:t>28</a:t>
             </a:fld>
             <a:endParaRPr/>
           </a:p>
@@ -44588,7 +46292,7 @@
 </p:sld>
 </file>
 
-<file path=ppt/slides/slide27.xml><?xml version="1.0" encoding="utf-8"?>
+<file path=ppt/slides/slide29.xml><?xml version="1.0" encoding="utf-8"?>
 <p:sld xmlns:a="http://schemas.openxmlformats.org/drawingml/2006/main" xmlns:r="http://schemas.openxmlformats.org/officeDocument/2006/relationships" xmlns:p="http://schemas.openxmlformats.org/presentationml/2006/main">
   <p:cSld>
     <p:spTree>
@@ -44633,7 +46337,7 @@
             <a:fld id="{00000000-1234-1234-1234-123412341234}" type="slidenum">
               <a:rPr lang="fr-FR"/>
               <a:pPr/>
-              <a:t>27</a:t>
+              <a:t>29</a:t>
             </a:fld>
             <a:endParaRPr/>
           </a:p>
@@ -45990,7 +47694,118 @@
 </p:sld>
 </file>
 
-<file path=ppt/slides/slide28.xml><?xml version="1.0" encoding="utf-8"?>
+<file path=ppt/slides/slide3.xml><?xml version="1.0" encoding="utf-8"?>
+<p:sld xmlns:a="http://schemas.openxmlformats.org/drawingml/2006/main" xmlns:r="http://schemas.openxmlformats.org/officeDocument/2006/relationships" xmlns:p="http://schemas.openxmlformats.org/presentationml/2006/main">
+  <p:cSld>
+    <p:spTree>
+      <p:nvGrpSpPr>
+        <p:cNvPr id="1" name=""/>
+        <p:cNvGrpSpPr/>
+        <p:nvPr/>
+      </p:nvGrpSpPr>
+      <p:grpSpPr>
+        <a:xfrm>
+          <a:off x="0" y="0"/>
+          <a:ext cx="0" cy="0"/>
+          <a:chOff x="0" y="0"/>
+          <a:chExt cx="0" cy="0"/>
+        </a:xfrm>
+      </p:grpSpPr>
+      <p:sp>
+        <p:nvSpPr>
+          <p:cNvPr id="2" name="Titre 1">
+            <a:extLst>
+              <a:ext uri="{FF2B5EF4-FFF2-40B4-BE49-F238E27FC236}">
+                <a16:creationId xmlns:a16="http://schemas.microsoft.com/office/drawing/2014/main" id="{49755071-6658-D647-11A8-E263B704F94C}"/>
+              </a:ext>
+            </a:extLst>
+          </p:cNvPr>
+          <p:cNvSpPr>
+            <a:spLocks noGrp="1"/>
+          </p:cNvSpPr>
+          <p:nvPr>
+            <p:ph type="title"/>
+          </p:nvPr>
+        </p:nvSpPr>
+        <p:spPr/>
+        <p:txBody>
+          <a:bodyPr/>
+          <a:lstStyle/>
+          <a:p>
+            <a:r>
+              <a:rPr lang="fr-FR" dirty="0" err="1"/>
+              <a:t>Centralized</a:t>
+            </a:r>
+            <a:r>
+              <a:rPr lang="fr-FR" dirty="0"/>
+              <a:t> / Versus Distributed</a:t>
+            </a:r>
+          </a:p>
+        </p:txBody>
+      </p:sp>
+      <p:pic>
+        <p:nvPicPr>
+          <p:cNvPr id="13" name="Picture 8" descr="Centralized versus distributed systems">
+            <a:extLst>
+              <a:ext uri="{FF2B5EF4-FFF2-40B4-BE49-F238E27FC236}">
+                <a16:creationId xmlns:a16="http://schemas.microsoft.com/office/drawing/2014/main" id="{4FCE6350-096E-350F-CD36-10D04918C649}"/>
+              </a:ext>
+            </a:extLst>
+          </p:cNvPr>
+          <p:cNvPicPr>
+            <a:picLocks noGrp="1" noChangeAspect="1" noChangeArrowheads="1"/>
+          </p:cNvPicPr>
+          <p:nvPr>
+            <p:ph idx="1"/>
+          </p:nvPr>
+        </p:nvPicPr>
+        <p:blipFill>
+          <a:blip r:embed="rId2">
+            <a:extLst>
+              <a:ext uri="{28A0092B-C50C-407E-A947-70E740481C1C}">
+                <a14:useLocalDpi xmlns:a14="http://schemas.microsoft.com/office/drawing/2010/main" val="0"/>
+              </a:ext>
+            </a:extLst>
+          </a:blip>
+          <a:srcRect/>
+          <a:stretch>
+            <a:fillRect/>
+          </a:stretch>
+        </p:blipFill>
+        <p:spPr bwMode="auto">
+          <a:xfrm>
+            <a:off x="677334" y="1650223"/>
+            <a:ext cx="8346810" cy="3898451"/>
+          </a:xfrm>
+          <a:prstGeom prst="rect">
+            <a:avLst/>
+          </a:prstGeom>
+          <a:noFill/>
+          <a:extLst>
+            <a:ext uri="{909E8E84-426E-40DD-AFC4-6F175D3DCCD1}">
+              <a14:hiddenFill xmlns:a14="http://schemas.microsoft.com/office/drawing/2010/main">
+                <a:solidFill>
+                  <a:srgbClr val="FFFFFF"/>
+                </a:solidFill>
+              </a14:hiddenFill>
+            </a:ext>
+          </a:extLst>
+        </p:spPr>
+      </p:pic>
+    </p:spTree>
+    <p:extLst>
+      <p:ext uri="{BB962C8B-B14F-4D97-AF65-F5344CB8AC3E}">
+        <p14:creationId xmlns:p14="http://schemas.microsoft.com/office/powerpoint/2010/main" val="1859504022"/>
+      </p:ext>
+    </p:extLst>
+  </p:cSld>
+  <p:clrMapOvr>
+    <a:masterClrMapping/>
+  </p:clrMapOvr>
+</p:sld>
+</file>
+
+<file path=ppt/slides/slide30.xml><?xml version="1.0" encoding="utf-8"?>
 <p:sld xmlns:a="http://schemas.openxmlformats.org/drawingml/2006/main" xmlns:r="http://schemas.openxmlformats.org/officeDocument/2006/relationships" xmlns:p="http://schemas.openxmlformats.org/presentationml/2006/main">
   <p:cSld>
     <p:spTree>
@@ -46347,7 +48162,7 @@
             <a:fld id="{00000000-1234-1234-1234-123412341234}" type="slidenum">
               <a:rPr lang="fr-FR"/>
               <a:pPr/>
-              <a:t>28</a:t>
+              <a:t>30</a:t>
             </a:fld>
             <a:endParaRPr/>
           </a:p>
@@ -48017,7 +49832,7 @@
 </p:sld>
 </file>
 
-<file path=ppt/slides/slide29.xml><?xml version="1.0" encoding="utf-8"?>
+<file path=ppt/slides/slide31.xml><?xml version="1.0" encoding="utf-8"?>
 <p:sld xmlns:a="http://schemas.openxmlformats.org/drawingml/2006/main" xmlns:r="http://schemas.openxmlformats.org/officeDocument/2006/relationships" xmlns:p="http://schemas.openxmlformats.org/presentationml/2006/main">
   <p:cSld>
     <p:spTree>
@@ -48374,7 +50189,7 @@
             <a:fld id="{00000000-1234-1234-1234-123412341234}" type="slidenum">
               <a:rPr lang="fr-FR"/>
               <a:pPr/>
-              <a:t>29</a:t>
+              <a:t>31</a:t>
             </a:fld>
             <a:endParaRPr/>
           </a:p>
@@ -50719,118 +52534,7 @@
 </p:sld>
 </file>
 
-<file path=ppt/slides/slide3.xml><?xml version="1.0" encoding="utf-8"?>
-<p:sld xmlns:a="http://schemas.openxmlformats.org/drawingml/2006/main" xmlns:r="http://schemas.openxmlformats.org/officeDocument/2006/relationships" xmlns:p="http://schemas.openxmlformats.org/presentationml/2006/main">
-  <p:cSld>
-    <p:spTree>
-      <p:nvGrpSpPr>
-        <p:cNvPr id="1" name=""/>
-        <p:cNvGrpSpPr/>
-        <p:nvPr/>
-      </p:nvGrpSpPr>
-      <p:grpSpPr>
-        <a:xfrm>
-          <a:off x="0" y="0"/>
-          <a:ext cx="0" cy="0"/>
-          <a:chOff x="0" y="0"/>
-          <a:chExt cx="0" cy="0"/>
-        </a:xfrm>
-      </p:grpSpPr>
-      <p:sp>
-        <p:nvSpPr>
-          <p:cNvPr id="2" name="Titre 1">
-            <a:extLst>
-              <a:ext uri="{FF2B5EF4-FFF2-40B4-BE49-F238E27FC236}">
-                <a16:creationId xmlns:a16="http://schemas.microsoft.com/office/drawing/2014/main" id="{49755071-6658-D647-11A8-E263B704F94C}"/>
-              </a:ext>
-            </a:extLst>
-          </p:cNvPr>
-          <p:cNvSpPr>
-            <a:spLocks noGrp="1"/>
-          </p:cNvSpPr>
-          <p:nvPr>
-            <p:ph type="title"/>
-          </p:nvPr>
-        </p:nvSpPr>
-        <p:spPr/>
-        <p:txBody>
-          <a:bodyPr/>
-          <a:lstStyle/>
-          <a:p>
-            <a:r>
-              <a:rPr lang="fr-FR" dirty="0" err="1"/>
-              <a:t>Centralized</a:t>
-            </a:r>
-            <a:r>
-              <a:rPr lang="fr-FR" dirty="0"/>
-              <a:t> / Versus Distributed</a:t>
-            </a:r>
-          </a:p>
-        </p:txBody>
-      </p:sp>
-      <p:pic>
-        <p:nvPicPr>
-          <p:cNvPr id="13" name="Picture 8" descr="Centralized versus distributed systems">
-            <a:extLst>
-              <a:ext uri="{FF2B5EF4-FFF2-40B4-BE49-F238E27FC236}">
-                <a16:creationId xmlns:a16="http://schemas.microsoft.com/office/drawing/2014/main" id="{4FCE6350-096E-350F-CD36-10D04918C649}"/>
-              </a:ext>
-            </a:extLst>
-          </p:cNvPr>
-          <p:cNvPicPr>
-            <a:picLocks noGrp="1" noChangeAspect="1" noChangeArrowheads="1"/>
-          </p:cNvPicPr>
-          <p:nvPr>
-            <p:ph idx="1"/>
-          </p:nvPr>
-        </p:nvPicPr>
-        <p:blipFill>
-          <a:blip r:embed="rId2">
-            <a:extLst>
-              <a:ext uri="{28A0092B-C50C-407E-A947-70E740481C1C}">
-                <a14:useLocalDpi xmlns:a14="http://schemas.microsoft.com/office/drawing/2010/main" val="0"/>
-              </a:ext>
-            </a:extLst>
-          </a:blip>
-          <a:srcRect/>
-          <a:stretch>
-            <a:fillRect/>
-          </a:stretch>
-        </p:blipFill>
-        <p:spPr bwMode="auto">
-          <a:xfrm>
-            <a:off x="677334" y="1650223"/>
-            <a:ext cx="8346810" cy="3898451"/>
-          </a:xfrm>
-          <a:prstGeom prst="rect">
-            <a:avLst/>
-          </a:prstGeom>
-          <a:noFill/>
-          <a:extLst>
-            <a:ext uri="{909E8E84-426E-40DD-AFC4-6F175D3DCCD1}">
-              <a14:hiddenFill xmlns:a14="http://schemas.microsoft.com/office/drawing/2010/main">
-                <a:solidFill>
-                  <a:srgbClr val="FFFFFF"/>
-                </a:solidFill>
-              </a14:hiddenFill>
-            </a:ext>
-          </a:extLst>
-        </p:spPr>
-      </p:pic>
-    </p:spTree>
-    <p:extLst>
-      <p:ext uri="{BB962C8B-B14F-4D97-AF65-F5344CB8AC3E}">
-        <p14:creationId xmlns:p14="http://schemas.microsoft.com/office/powerpoint/2010/main" val="1859504022"/>
-      </p:ext>
-    </p:extLst>
-  </p:cSld>
-  <p:clrMapOvr>
-    <a:masterClrMapping/>
-  </p:clrMapOvr>
-</p:sld>
-</file>
-
-<file path=ppt/slides/slide30.xml><?xml version="1.0" encoding="utf-8"?>
+<file path=ppt/slides/slide32.xml><?xml version="1.0" encoding="utf-8"?>
 <p:sld xmlns:a="http://schemas.openxmlformats.org/drawingml/2006/main" xmlns:r="http://schemas.openxmlformats.org/officeDocument/2006/relationships" xmlns:p="http://schemas.openxmlformats.org/presentationml/2006/main">
   <p:cSld>
     <p:bg>
@@ -51806,7 +53510,7 @@
                   <a:spcPts val="600"/>
                 </a:spcAft>
               </a:pPr>
-              <a:t>30</a:t>
+              <a:t>32</a:t>
             </a:fld>
             <a:endParaRPr lang="en-US"/>
           </a:p>
